--- a/files/learn/docker/Build+Docker+Image+Using+Dockerfile.pptx
+++ b/files/learn/docker/Build+Docker+Image+Using+Dockerfile.pptx
@@ -5,10 +5,10 @@
     <p:sldMasterId id="2147483648" r:id="rId1"/>
   </p:sldMasterIdLst>
   <p:notesMasterIdLst>
-    <p:notesMasterId r:id="rId16"/>
+    <p:notesMasterId r:id="rId17"/>
   </p:notesMasterIdLst>
   <p:handoutMasterIdLst>
-    <p:handoutMasterId r:id="rId17"/>
+    <p:handoutMasterId r:id="rId18"/>
   </p:handoutMasterIdLst>
   <p:sldIdLst>
     <p:sldId id="256" r:id="rId3"/>
@@ -16,14 +16,15 @@
     <p:sldId id="258" r:id="rId5"/>
     <p:sldId id="259" r:id="rId6"/>
     <p:sldId id="261" r:id="rId7"/>
-    <p:sldId id="262" r:id="rId8"/>
-    <p:sldId id="274" r:id="rId9"/>
-    <p:sldId id="263" r:id="rId10"/>
-    <p:sldId id="264" r:id="rId11"/>
-    <p:sldId id="265" r:id="rId12"/>
-    <p:sldId id="266" r:id="rId13"/>
-    <p:sldId id="275" r:id="rId14"/>
-    <p:sldId id="270" r:id="rId15"/>
+    <p:sldId id="281" r:id="rId8"/>
+    <p:sldId id="262" r:id="rId9"/>
+    <p:sldId id="274" r:id="rId10"/>
+    <p:sldId id="263" r:id="rId11"/>
+    <p:sldId id="264" r:id="rId12"/>
+    <p:sldId id="265" r:id="rId13"/>
+    <p:sldId id="266" r:id="rId14"/>
+    <p:sldId id="275" r:id="rId15"/>
+    <p:sldId id="270" r:id="rId16"/>
   </p:sldIdLst>
   <p:sldSz cx="12192000" cy="6858000"/>
   <p:notesSz cx="7559675" cy="10691495"/>
@@ -2477,14 +2478,14 @@
       </p:grpSpPr>
       <p:sp>
         <p:nvSpPr>
-          <p:cNvPr id="105" name="CustomShape 1"/>
+          <p:cNvPr id="102" name="CustomShape 1"/>
           <p:cNvSpPr/>
           <p:nvPr/>
         </p:nvSpPr>
         <p:spPr>
           <a:xfrm>
-            <a:off x="323850" y="543560"/>
-            <a:ext cx="5812155" cy="638810"/>
+            <a:off x="324000" y="543600"/>
+            <a:ext cx="5067720" cy="638640"/>
           </a:xfrm>
           <a:prstGeom prst="rect">
             <a:avLst/>
@@ -2522,7 +2523,7 @@
                 <a:latin typeface="Times New Roman" panose="02020603050405020304"/>
                 <a:ea typeface="微软雅黑" panose="020B0503020204020204" charset="-122"/>
               </a:rPr>
-              <a:t>How to write a Dockerfile?</a:t>
+              <a:t>Dockerfile</a:t>
             </a:r>
             <a:endParaRPr lang="en-US" sz="3600" b="0" strike="noStrike" spc="-1">
               <a:latin typeface="Arial" panose="020B0604020202020204"/>
@@ -2532,7 +2533,7 @@
       </p:sp>
       <p:pic>
         <p:nvPicPr>
-          <p:cNvPr id="106" name="图片 1"/>
+          <p:cNvPr id="103" name="图片 1"/>
           <p:cNvPicPr/>
           <p:nvPr/>
         </p:nvPicPr>
@@ -2557,14 +2558,14 @@
       </p:pic>
       <p:sp>
         <p:nvSpPr>
-          <p:cNvPr id="107" name="CustomShape 2"/>
+          <p:cNvPr id="104" name="CustomShape 2"/>
           <p:cNvSpPr/>
           <p:nvPr/>
         </p:nvSpPr>
         <p:spPr>
           <a:xfrm>
-            <a:off x="323850" y="1280160"/>
-            <a:ext cx="11518900" cy="5576570"/>
+            <a:off x="324000" y="1247775"/>
+            <a:ext cx="11518920" cy="4782600"/>
           </a:xfrm>
           <a:prstGeom prst="rect">
             <a:avLst/>
@@ -2602,7 +2603,27 @@
                 <a:latin typeface="Times New Roman" panose="02020603050405020304"/>
                 <a:ea typeface="DejaVu Sans"/>
               </a:rPr>
-              <a:t>    The Docker daemon runs the instructions in the Dockerfile one-by-one, committing the result of each instruction to a new image if necessary, before finally outputting the ID of your new image. So a Dockerfile is made up of instructions and the instruction is not case-sensitive.</a:t>
+              <a:t> </a:t>
+            </a:r>
+            <a:r>
+              <a:rPr lang="en-US" sz="2800" b="1" strike="noStrike" spc="-1">
+                <a:solidFill>
+                  <a:srgbClr val="000000"/>
+                </a:solidFill>
+                <a:latin typeface="Times New Roman" panose="02020603050405020304"/>
+                <a:ea typeface="DejaVu Sans"/>
+              </a:rPr>
+              <a:t>   </a:t>
+            </a:r>
+            <a:r>
+              <a:rPr lang="en-US" sz="2800" b="0" strike="noStrike" spc="-1">
+                <a:solidFill>
+                  <a:srgbClr val="000000"/>
+                </a:solidFill>
+                <a:latin typeface="Times New Roman" panose="02020603050405020304"/>
+                <a:ea typeface="DejaVu Sans"/>
+              </a:rPr>
+              <a:t> Docker can build images automatically by reading the instructions from a Dockerfile. A Dockerfile is a text document that contains all the commands a user could call on the command line to assemble an image. Using docker build users can create an automated build that executes several command-line instructions in succession.</a:t>
             </a:r>
             <a:endParaRPr lang="en-US" sz="2800" b="0" strike="noStrike" spc="-1">
               <a:latin typeface="Arial" panose="020B0604020202020204"/>
@@ -2615,6 +2636,16 @@
               </a:lnSpc>
             </a:pPr>
             <a:r>
+              <a:rPr lang="en-US" sz="2800" b="1" strike="noStrike" spc="-1">
+                <a:solidFill>
+                  <a:srgbClr val="000000"/>
+                </a:solidFill>
+                <a:latin typeface="Times New Roman" panose="02020603050405020304"/>
+                <a:ea typeface="DejaVu Sans"/>
+              </a:rPr>
+              <a:t>   </a:t>
+            </a:r>
+            <a:r>
               <a:rPr lang="en-US" sz="2800" b="0" strike="noStrike" spc="-1">
                 <a:solidFill>
                   <a:srgbClr val="000000"/>
@@ -2622,14 +2653,10 @@
                 <a:latin typeface="Times New Roman" panose="02020603050405020304"/>
                 <a:ea typeface="DejaVu Sans"/>
               </a:rPr>
-              <a:t>    </a:t>
+              <a:t> The docker build command builds an image from a Dockerfile and a context. The build’s context is the set of files at a specified location PATH or URL. The PATH is a directory on your local filesystem. The URL is a Git repository location.</a:t>
             </a:r>
             <a:endParaRPr lang="en-US" sz="2800" b="0" strike="noStrike" spc="-1">
-              <a:solidFill>
-                <a:srgbClr val="000000"/>
-              </a:solidFill>
-              <a:latin typeface="Times New Roman" panose="02020603050405020304"/>
-              <a:ea typeface="DejaVu Sans"/>
+              <a:latin typeface="Arial" panose="020B0604020202020204"/>
             </a:endParaRPr>
           </a:p>
           <a:p>
@@ -2646,102 +2673,8 @@
                 <a:latin typeface="Times New Roman" panose="02020603050405020304"/>
                 <a:ea typeface="DejaVu Sans"/>
               </a:rPr>
-              <a:t>    Here is the format of the Dockerfile:</a:t>
-            </a:r>
-            <a:endParaRPr lang="en-US" sz="2800" b="0" strike="noStrike" spc="-1">
-              <a:latin typeface="Arial" panose="020B0604020202020204"/>
-            </a:endParaRPr>
-          </a:p>
-          <a:p>
-            <a:pPr>
-              <a:lnSpc>
-                <a:spcPct val="100000"/>
-              </a:lnSpc>
-            </a:pPr>
-            <a:r>
-              <a:rPr lang="en-US" sz="2800" b="0" strike="noStrike" spc="-1">
-                <a:solidFill>
-                  <a:srgbClr val="000000"/>
-                </a:solidFill>
-                <a:latin typeface="Times New Roman" panose="02020603050405020304"/>
-                <a:ea typeface="DejaVu Sans"/>
-              </a:rPr>
-              <a:t>	# Comment</a:t>
-            </a:r>
-            <a:endParaRPr lang="en-US" sz="2800" b="0" strike="noStrike" spc="-1">
-              <a:latin typeface="Arial" panose="020B0604020202020204"/>
-            </a:endParaRPr>
-          </a:p>
-          <a:p>
-            <a:pPr>
-              <a:lnSpc>
-                <a:spcPct val="100000"/>
-              </a:lnSpc>
-            </a:pPr>
-            <a:r>
-              <a:rPr lang="en-US" sz="2800" b="0" strike="noStrike" spc="-1">
-                <a:solidFill>
-                  <a:srgbClr val="000000"/>
-                </a:solidFill>
-                <a:latin typeface="Times New Roman" panose="02020603050405020304"/>
-                <a:ea typeface="DejaVu Sans"/>
-              </a:rPr>
-              <a:t>	INSTRUCTION arguments</a:t>
-            </a:r>
-            <a:endParaRPr lang="en-US" sz="2800" b="0" strike="noStrike" spc="-1">
-              <a:latin typeface="Arial" panose="020B0604020202020204"/>
-            </a:endParaRPr>
-          </a:p>
-          <a:p>
-            <a:pPr>
-              <a:lnSpc>
-                <a:spcPct val="100000"/>
-              </a:lnSpc>
-            </a:pPr>
-            <a:r>
-              <a:rPr lang="en-US" sz="2800" b="0" strike="noStrike" spc="-1">
-                <a:solidFill>
-                  <a:srgbClr val="000000"/>
-                </a:solidFill>
-                <a:latin typeface="Times New Roman" panose="02020603050405020304"/>
-                <a:ea typeface="DejaVu Sans"/>
-              </a:rPr>
-              <a:t>    </a:t>
-            </a:r>
-            <a:endParaRPr lang="en-US" sz="2800" b="0" strike="noStrike" spc="-1">
-              <a:solidFill>
-                <a:srgbClr val="000000"/>
-              </a:solidFill>
-              <a:latin typeface="Times New Roman" panose="02020603050405020304"/>
-              <a:ea typeface="DejaVu Sans"/>
-            </a:endParaRPr>
-          </a:p>
-          <a:p>
-            <a:pPr>
-              <a:lnSpc>
-                <a:spcPct val="100000"/>
-              </a:lnSpc>
-            </a:pPr>
-            <a:r>
-              <a:rPr lang="en-US" sz="2800" b="0" strike="noStrike" spc="-1">
-                <a:solidFill>
-                  <a:srgbClr val="000000"/>
-                </a:solidFill>
-                <a:latin typeface="Times New Roman" panose="02020603050405020304"/>
-                <a:ea typeface="DejaVu Sans"/>
-              </a:rPr>
-              <a:t>    Note that the first instruction in a Dockerfile must be “FROM”!!!  The FROM instruction specifies the Base Image from which you are building. Docker treats lines that begin with # as a comment, unless the line is a valid parser directive. A # marker anywhere else in a line is treated as an argument. </a:t>
-            </a:r>
-            <a:endParaRPr lang="en-US" sz="2800" b="0" strike="noStrike" spc="-1">
-              <a:latin typeface="Arial" panose="020B0604020202020204"/>
-            </a:endParaRPr>
-          </a:p>
-          <a:p>
-            <a:pPr>
-              <a:lnSpc>
-                <a:spcPct val="100000"/>
-              </a:lnSpc>
-            </a:pPr>
+              <a:t>    A context is processed recursively. So, a PATH includes any subdirectories and the URL includes the repository and its submodules. </a:t>
+            </a:r>
             <a:endParaRPr lang="en-US" sz="2800" b="0" strike="noStrike" spc="-1">
               <a:latin typeface="Arial" panose="020B0604020202020204"/>
             </a:endParaRPr>
@@ -2785,14 +2718,14 @@
       </p:grpSpPr>
       <p:sp>
         <p:nvSpPr>
-          <p:cNvPr id="108" name="CustomShape 1"/>
+          <p:cNvPr id="105" name="CustomShape 1"/>
           <p:cNvSpPr/>
           <p:nvPr/>
         </p:nvSpPr>
         <p:spPr>
           <a:xfrm>
-            <a:off x="324000" y="543600"/>
-            <a:ext cx="5067720" cy="638640"/>
+            <a:off x="323850" y="543560"/>
+            <a:ext cx="5812155" cy="638810"/>
           </a:xfrm>
           <a:prstGeom prst="rect">
             <a:avLst/>
@@ -2830,7 +2763,7 @@
                 <a:latin typeface="Times New Roman" panose="02020603050405020304"/>
                 <a:ea typeface="微软雅黑" panose="020B0503020204020204" charset="-122"/>
               </a:rPr>
-              <a:t>Instructions</a:t>
+              <a:t>How to write a Dockerfile?</a:t>
             </a:r>
             <a:endParaRPr lang="en-US" sz="3600" b="0" strike="noStrike" spc="-1">
               <a:latin typeface="Arial" panose="020B0604020202020204"/>
@@ -2840,7 +2773,7 @@
       </p:sp>
       <p:pic>
         <p:nvPicPr>
-          <p:cNvPr id="109" name="图片 1"/>
+          <p:cNvPr id="106" name="图片 1"/>
           <p:cNvPicPr/>
           <p:nvPr/>
         </p:nvPicPr>
@@ -2865,14 +2798,14 @@
       </p:pic>
       <p:sp>
         <p:nvSpPr>
-          <p:cNvPr id="110" name="CustomShape 2"/>
+          <p:cNvPr id="107" name="CustomShape 2"/>
           <p:cNvSpPr/>
           <p:nvPr/>
         </p:nvSpPr>
         <p:spPr>
           <a:xfrm>
-            <a:off x="323850" y="1266825"/>
-            <a:ext cx="11635740" cy="4801235"/>
+            <a:off x="323850" y="1280160"/>
+            <a:ext cx="11518900" cy="5576570"/>
           </a:xfrm>
           <a:prstGeom prst="rect">
             <a:avLst/>
@@ -2897,12 +2830,10 @@
         <p:txBody>
           <a:bodyPr lIns="90000" tIns="45000" rIns="90000" bIns="45000"/>
           <a:p>
-            <a:pPr marL="457200" indent="-457200">
+            <a:pPr>
               <a:lnSpc>
                 <a:spcPct val="100000"/>
               </a:lnSpc>
-              <a:buFont typeface="Arial" panose="020B0604020202020204" pitchFamily="34" charset="0"/>
-              <a:buChar char="•"/>
             </a:pPr>
             <a:r>
               <a:rPr lang="en-US" sz="2800" b="0" strike="noStrike" spc="-1">
@@ -2912,30 +2843,18 @@
                 <a:latin typeface="Times New Roman" panose="02020603050405020304"/>
                 <a:ea typeface="DejaVu Sans"/>
               </a:rPr>
-              <a:t>FROM、</a:t>
-            </a:r>
-            <a:r>
-              <a:rPr lang="en-US" sz="2800" spc="-1">
-                <a:solidFill>
-                  <a:srgbClr val="000000"/>
-                </a:solidFill>
-                <a:latin typeface="Times New Roman" panose="02020603050405020304"/>
-                <a:ea typeface="DejaVu Sans"/>
-                <a:sym typeface="+mn-ea"/>
-              </a:rPr>
-              <a:t>ARG</a:t>
-            </a:r>
-            <a:r>
-              <a:rPr lang="zh-CN" altLang="en-US" sz="2800" spc="-1">
-                <a:solidFill>
-                  <a:srgbClr val="000000"/>
-                </a:solidFill>
-                <a:latin typeface="Times New Roman" panose="02020603050405020304"/>
-                <a:ea typeface="宋体" panose="02010600030101010101" pitchFamily="2" charset="-122"/>
-                <a:sym typeface="+mn-ea"/>
-              </a:rPr>
-              <a:t>、</a:t>
-            </a:r>
+              <a:t>    The Docker daemon runs the instructions in the Dockerfile one-by-one, committing the result of each instruction to a new image if necessary, before finally outputting the ID of your new image. So a Dockerfile is made up of instructions and the instruction is not case-sensitive.</a:t>
+            </a:r>
+            <a:endParaRPr lang="en-US" sz="2800" b="0" strike="noStrike" spc="-1">
+              <a:latin typeface="Arial" panose="020B0604020202020204"/>
+            </a:endParaRPr>
+          </a:p>
+          <a:p>
+            <a:pPr>
+              <a:lnSpc>
+                <a:spcPct val="100000"/>
+              </a:lnSpc>
+            </a:pPr>
             <a:r>
               <a:rPr lang="en-US" sz="2800" b="0" strike="noStrike" spc="-1">
                 <a:solidFill>
@@ -2944,18 +2863,7 @@
                 <a:latin typeface="Times New Roman" panose="02020603050405020304"/>
                 <a:ea typeface="DejaVu Sans"/>
               </a:rPr>
-              <a:t> </a:t>
-            </a:r>
-            <a:r>
-              <a:rPr lang="en-US" sz="2800" spc="-1">
-                <a:solidFill>
-                  <a:srgbClr val="000000"/>
-                </a:solidFill>
-                <a:latin typeface="Times New Roman" panose="02020603050405020304"/>
-                <a:ea typeface="DejaVu Sans"/>
-                <a:sym typeface="+mn-ea"/>
-              </a:rPr>
-              <a:t>LABEL</a:t>
+              <a:t>    </a:t>
             </a:r>
             <a:endParaRPr lang="en-US" sz="2800" b="0" strike="noStrike" spc="-1">
               <a:solidFill>
@@ -2966,24 +2874,30 @@
             </a:endParaRPr>
           </a:p>
           <a:p>
-            <a:pPr marL="457200" indent="-457200">
+            <a:pPr>
               <a:lnSpc>
                 <a:spcPct val="100000"/>
               </a:lnSpc>
-              <a:buFont typeface="Arial" panose="020B0604020202020204" pitchFamily="34" charset="0"/>
-              <a:buChar char="•"/>
-            </a:pPr>
+            </a:pPr>
+            <a:r>
+              <a:rPr lang="en-US" sz="2800" b="0" strike="noStrike" spc="-1">
+                <a:solidFill>
+                  <a:srgbClr val="000000"/>
+                </a:solidFill>
+                <a:latin typeface="Times New Roman" panose="02020603050405020304"/>
+                <a:ea typeface="DejaVu Sans"/>
+              </a:rPr>
+              <a:t>    Here is the format of the Dockerfile:</a:t>
+            </a:r>
             <a:endParaRPr lang="en-US" sz="2800" b="0" strike="noStrike" spc="-1">
               <a:latin typeface="Arial" panose="020B0604020202020204"/>
             </a:endParaRPr>
           </a:p>
           <a:p>
-            <a:pPr marL="457200" indent="-457200">
+            <a:pPr>
               <a:lnSpc>
                 <a:spcPct val="100000"/>
               </a:lnSpc>
-              <a:buFont typeface="Arial" panose="020B0604020202020204" pitchFamily="34" charset="0"/>
-              <a:buChar char="•"/>
             </a:pPr>
             <a:r>
               <a:rPr lang="en-US" sz="2800" b="0" strike="noStrike" spc="-1">
@@ -2993,7 +2907,47 @@
                 <a:latin typeface="Times New Roman" panose="02020603050405020304"/>
                 <a:ea typeface="DejaVu Sans"/>
               </a:rPr>
-              <a:t>RUN、 CMD、 EXPOSE、 ENV</a:t>
+              <a:t>	# Comment</a:t>
+            </a:r>
+            <a:endParaRPr lang="en-US" sz="2800" b="0" strike="noStrike" spc="-1">
+              <a:latin typeface="Arial" panose="020B0604020202020204"/>
+            </a:endParaRPr>
+          </a:p>
+          <a:p>
+            <a:pPr>
+              <a:lnSpc>
+                <a:spcPct val="100000"/>
+              </a:lnSpc>
+            </a:pPr>
+            <a:r>
+              <a:rPr lang="en-US" sz="2800" b="0" strike="noStrike" spc="-1">
+                <a:solidFill>
+                  <a:srgbClr val="000000"/>
+                </a:solidFill>
+                <a:latin typeface="Times New Roman" panose="02020603050405020304"/>
+                <a:ea typeface="DejaVu Sans"/>
+              </a:rPr>
+              <a:t>	INSTRUCTION arguments</a:t>
+            </a:r>
+            <a:endParaRPr lang="en-US" sz="2800" b="0" strike="noStrike" spc="-1">
+              <a:latin typeface="Arial" panose="020B0604020202020204"/>
+            </a:endParaRPr>
+          </a:p>
+          <a:p>
+            <a:pPr>
+              <a:lnSpc>
+                <a:spcPct val="100000"/>
+              </a:lnSpc>
+            </a:pPr>
+            <a:r>
+              <a:rPr lang="en-US" sz="2800" b="0" strike="noStrike" spc="-1">
+                <a:solidFill>
+                  <a:srgbClr val="000000"/>
+                </a:solidFill>
+                <a:latin typeface="Times New Roman" panose="02020603050405020304"/>
+                <a:ea typeface="DejaVu Sans"/>
+              </a:rPr>
+              <a:t>    </a:t>
             </a:r>
             <a:endParaRPr lang="en-US" sz="2800" b="0" strike="noStrike" spc="-1">
               <a:solidFill>
@@ -3004,146 +2958,31 @@
             </a:endParaRPr>
           </a:p>
           <a:p>
-            <a:pPr marL="457200" indent="-457200">
+            <a:pPr>
               <a:lnSpc>
                 <a:spcPct val="100000"/>
               </a:lnSpc>
-              <a:buFont typeface="Arial" panose="020B0604020202020204" pitchFamily="34" charset="0"/>
-              <a:buChar char="•"/>
-            </a:pPr>
+            </a:pPr>
+            <a:r>
+              <a:rPr lang="en-US" sz="2800" b="0" strike="noStrike" spc="-1">
+                <a:solidFill>
+                  <a:srgbClr val="000000"/>
+                </a:solidFill>
+                <a:latin typeface="Times New Roman" panose="02020603050405020304"/>
+                <a:ea typeface="DejaVu Sans"/>
+              </a:rPr>
+              <a:t>    Note that the first instruction in a Dockerfile must be “FROM”!!!  The FROM instruction specifies the Base Image from which you are building. Docker treats lines that begin with # as a comment, unless the line is a valid parser directive. A # marker anywhere else in a line is treated as an argument. </a:t>
+            </a:r>
             <a:endParaRPr lang="en-US" sz="2800" b="0" strike="noStrike" spc="-1">
               <a:latin typeface="Arial" panose="020B0604020202020204"/>
             </a:endParaRPr>
           </a:p>
           <a:p>
-            <a:pPr marL="457200" indent="-457200">
+            <a:pPr>
               <a:lnSpc>
                 <a:spcPct val="100000"/>
               </a:lnSpc>
-              <a:buFont typeface="Arial" panose="020B0604020202020204" pitchFamily="34" charset="0"/>
-              <a:buChar char="•"/>
-            </a:pPr>
-            <a:r>
-              <a:rPr lang="en-US" sz="2800" b="0" strike="noStrike" spc="-1">
-                <a:solidFill>
-                  <a:srgbClr val="000000"/>
-                </a:solidFill>
-                <a:latin typeface="Times New Roman" panose="02020603050405020304"/>
-                <a:ea typeface="DejaVu Sans"/>
-              </a:rPr>
-              <a:t>ADD、 COPY、 ENTRYPOINT</a:t>
-            </a:r>
-            <a:endParaRPr lang="en-US" sz="2800" b="0" strike="noStrike" spc="-1">
-              <a:solidFill>
-                <a:srgbClr val="000000"/>
-              </a:solidFill>
-              <a:latin typeface="Times New Roman" panose="02020603050405020304"/>
-              <a:ea typeface="DejaVu Sans"/>
-            </a:endParaRPr>
-          </a:p>
-          <a:p>
-            <a:pPr marL="457200" indent="-457200">
-              <a:lnSpc>
-                <a:spcPct val="100000"/>
-              </a:lnSpc>
-              <a:buFont typeface="Arial" panose="020B0604020202020204" pitchFamily="34" charset="0"/>
-              <a:buChar char="•"/>
-            </a:pPr>
-            <a:endParaRPr lang="en-US" sz="2800" b="0" strike="noStrike" spc="-1">
-              <a:latin typeface="Arial" panose="020B0604020202020204"/>
-            </a:endParaRPr>
-          </a:p>
-          <a:p>
-            <a:pPr marL="457200" indent="-457200">
-              <a:lnSpc>
-                <a:spcPct val="100000"/>
-              </a:lnSpc>
-              <a:buFont typeface="Arial" panose="020B0604020202020204" pitchFamily="34" charset="0"/>
-              <a:buChar char="•"/>
-            </a:pPr>
-            <a:r>
-              <a:rPr lang="en-US" sz="2800" b="0" strike="noStrike" spc="-1">
-                <a:solidFill>
-                  <a:srgbClr val="000000"/>
-                </a:solidFill>
-                <a:latin typeface="Times New Roman" panose="02020603050405020304"/>
-                <a:ea typeface="DejaVu Sans"/>
-              </a:rPr>
-              <a:t>VOLUME、 USER、 WORKDIR</a:t>
-            </a:r>
-            <a:endParaRPr lang="en-US" sz="2800" b="0" strike="noStrike" spc="-1">
-              <a:solidFill>
-                <a:srgbClr val="000000"/>
-              </a:solidFill>
-              <a:latin typeface="Times New Roman" panose="02020603050405020304"/>
-              <a:ea typeface="DejaVu Sans"/>
-            </a:endParaRPr>
-          </a:p>
-          <a:p>
-            <a:pPr marL="457200" indent="-457200">
-              <a:lnSpc>
-                <a:spcPct val="100000"/>
-              </a:lnSpc>
-              <a:buFont typeface="Arial" panose="020B0604020202020204" pitchFamily="34" charset="0"/>
-              <a:buChar char="•"/>
-            </a:pPr>
-            <a:endParaRPr lang="en-US" sz="2800" b="0" strike="noStrike" spc="-1">
-              <a:latin typeface="Arial" panose="020B0604020202020204"/>
-            </a:endParaRPr>
-          </a:p>
-          <a:p>
-            <a:pPr marL="457200" indent="-457200">
-              <a:lnSpc>
-                <a:spcPct val="100000"/>
-              </a:lnSpc>
-              <a:buFont typeface="Arial" panose="020B0604020202020204" pitchFamily="34" charset="0"/>
-              <a:buChar char="•"/>
-            </a:pPr>
-            <a:r>
-              <a:rPr lang="en-US" sz="2800" b="0" strike="noStrike" spc="-1">
-                <a:solidFill>
-                  <a:srgbClr val="000000"/>
-                </a:solidFill>
-                <a:latin typeface="Times New Roman" panose="02020603050405020304"/>
-                <a:ea typeface="DejaVu Sans"/>
-              </a:rPr>
-              <a:t>ONBUILD、 STOPSIGNAL、 HEALTHCHECK</a:t>
-            </a:r>
-            <a:endParaRPr lang="en-US" sz="2800" b="0" strike="noStrike" spc="-1">
-              <a:solidFill>
-                <a:srgbClr val="000000"/>
-              </a:solidFill>
-              <a:latin typeface="Times New Roman" panose="02020603050405020304"/>
-              <a:ea typeface="DejaVu Sans"/>
-            </a:endParaRPr>
-          </a:p>
-          <a:p>
-            <a:pPr indent="0">
-              <a:lnSpc>
-                <a:spcPct val="100000"/>
-              </a:lnSpc>
-              <a:buFont typeface="Arial" panose="020B0604020202020204" pitchFamily="34" charset="0"/>
-              <a:buNone/>
-            </a:pPr>
-            <a:endParaRPr lang="en-US" sz="2800" b="0" strike="noStrike" spc="-1">
-              <a:latin typeface="Arial" panose="020B0604020202020204"/>
-            </a:endParaRPr>
-          </a:p>
-          <a:p>
-            <a:pPr indent="0">
-              <a:lnSpc>
-                <a:spcPct val="100000"/>
-              </a:lnSpc>
-              <a:buFont typeface="Arial" panose="020B0604020202020204" pitchFamily="34" charset="0"/>
-              <a:buNone/>
-            </a:pPr>
-            <a:r>
-              <a:rPr lang="en-US" sz="2800" b="0" strike="noStrike" spc="-1">
-                <a:latin typeface="Arial" panose="020B0604020202020204"/>
-                <a:hlinkClick r:id="rId2" action="ppaction://hlinkfile"/>
-              </a:rPr>
-              <a:t>Reference Doc</a:t>
-            </a:r>
+            </a:pPr>
             <a:endParaRPr lang="en-US" sz="2800" b="0" strike="noStrike" spc="-1">
               <a:latin typeface="Arial" panose="020B0604020202020204"/>
             </a:endParaRPr>
@@ -3169,6 +3008,408 @@
 </file>
 
 <file path=ppt/slides/slide12.xml><?xml version="1.0" encoding="utf-8"?>
+<p:sld xmlns:a="http://schemas.openxmlformats.org/drawingml/2006/main" xmlns:r="http://schemas.openxmlformats.org/officeDocument/2006/relationships" xmlns:p="http://schemas.openxmlformats.org/presentationml/2006/main">
+  <p:cSld>
+    <p:spTree>
+      <p:nvGrpSpPr>
+        <p:cNvPr id="1" name=""/>
+        <p:cNvGrpSpPr/>
+        <p:nvPr/>
+      </p:nvGrpSpPr>
+      <p:grpSpPr>
+        <a:xfrm>
+          <a:off x="0" y="0"/>
+          <a:ext cx="0" cy="0"/>
+          <a:chOff x="0" y="0"/>
+          <a:chExt cx="0" cy="0"/>
+        </a:xfrm>
+      </p:grpSpPr>
+      <p:sp>
+        <p:nvSpPr>
+          <p:cNvPr id="108" name="CustomShape 1"/>
+          <p:cNvSpPr/>
+          <p:nvPr/>
+        </p:nvSpPr>
+        <p:spPr>
+          <a:xfrm>
+            <a:off x="324000" y="543600"/>
+            <a:ext cx="5067720" cy="638640"/>
+          </a:xfrm>
+          <a:prstGeom prst="rect">
+            <a:avLst/>
+          </a:prstGeom>
+          <a:noFill/>
+          <a:ln>
+            <a:noFill/>
+          </a:ln>
+        </p:spPr>
+        <p:style>
+          <a:lnRef idx="0">
+            <a:srgbClr val="FFFFFF"/>
+          </a:lnRef>
+          <a:fillRef idx="0">
+            <a:srgbClr val="FFFFFF"/>
+          </a:fillRef>
+          <a:effectRef idx="0">
+            <a:srgbClr val="FFFFFF"/>
+          </a:effectRef>
+          <a:fontRef idx="minor"/>
+        </p:style>
+        <p:txBody>
+          <a:bodyPr lIns="90000" tIns="45000" rIns="90000" bIns="45000"/>
+          <a:p>
+            <a:pPr>
+              <a:lnSpc>
+                <a:spcPct val="100000"/>
+              </a:lnSpc>
+            </a:pPr>
+            <a:r>
+              <a:rPr lang="en-US" sz="3600" b="1" strike="noStrike" spc="-1">
+                <a:solidFill>
+                  <a:srgbClr val="000000"/>
+                </a:solidFill>
+                <a:latin typeface="Times New Roman" panose="02020603050405020304"/>
+                <a:ea typeface="微软雅黑" panose="020B0503020204020204" charset="-122"/>
+              </a:rPr>
+              <a:t>Instructions</a:t>
+            </a:r>
+            <a:endParaRPr lang="en-US" sz="3600" b="0" strike="noStrike" spc="-1">
+              <a:latin typeface="Arial" panose="020B0604020202020204"/>
+            </a:endParaRPr>
+          </a:p>
+        </p:txBody>
+      </p:sp>
+      <p:pic>
+        <p:nvPicPr>
+          <p:cNvPr id="109" name="图片 1"/>
+          <p:cNvPicPr/>
+          <p:nvPr/>
+        </p:nvPicPr>
+        <p:blipFill>
+          <a:blip r:embed="rId1"/>
+          <a:stretch>
+            <a:fillRect/>
+          </a:stretch>
+        </p:blipFill>
+        <p:spPr>
+          <a:xfrm>
+            <a:off x="10371600" y="146160"/>
+            <a:ext cx="1695240" cy="396720"/>
+          </a:xfrm>
+          <a:prstGeom prst="rect">
+            <a:avLst/>
+          </a:prstGeom>
+          <a:ln>
+            <a:noFill/>
+          </a:ln>
+        </p:spPr>
+      </p:pic>
+      <p:sp>
+        <p:nvSpPr>
+          <p:cNvPr id="110" name="CustomShape 2"/>
+          <p:cNvSpPr/>
+          <p:nvPr/>
+        </p:nvSpPr>
+        <p:spPr>
+          <a:xfrm>
+            <a:off x="323850" y="1266825"/>
+            <a:ext cx="11635740" cy="4801235"/>
+          </a:xfrm>
+          <a:prstGeom prst="rect">
+            <a:avLst/>
+          </a:prstGeom>
+          <a:noFill/>
+          <a:ln>
+            <a:noFill/>
+          </a:ln>
+        </p:spPr>
+        <p:style>
+          <a:lnRef idx="0">
+            <a:srgbClr val="FFFFFF"/>
+          </a:lnRef>
+          <a:fillRef idx="0">
+            <a:srgbClr val="FFFFFF"/>
+          </a:fillRef>
+          <a:effectRef idx="0">
+            <a:srgbClr val="FFFFFF"/>
+          </a:effectRef>
+          <a:fontRef idx="minor"/>
+        </p:style>
+        <p:txBody>
+          <a:bodyPr lIns="90000" tIns="45000" rIns="90000" bIns="45000"/>
+          <a:p>
+            <a:pPr marL="457200" indent="-457200">
+              <a:lnSpc>
+                <a:spcPct val="100000"/>
+              </a:lnSpc>
+              <a:buFont typeface="Arial" panose="020B0604020202020204" pitchFamily="34" charset="0"/>
+              <a:buChar char="•"/>
+            </a:pPr>
+            <a:r>
+              <a:rPr lang="en-US" sz="2800" b="0" strike="noStrike" spc="-1">
+                <a:solidFill>
+                  <a:srgbClr val="000000"/>
+                </a:solidFill>
+                <a:latin typeface="Times New Roman" panose="02020603050405020304"/>
+                <a:ea typeface="DejaVu Sans"/>
+              </a:rPr>
+              <a:t>FROM、</a:t>
+            </a:r>
+            <a:r>
+              <a:rPr lang="en-US" sz="2800" spc="-1">
+                <a:solidFill>
+                  <a:srgbClr val="000000"/>
+                </a:solidFill>
+                <a:latin typeface="Times New Roman" panose="02020603050405020304"/>
+                <a:ea typeface="DejaVu Sans"/>
+                <a:sym typeface="+mn-ea"/>
+              </a:rPr>
+              <a:t>ARG</a:t>
+            </a:r>
+            <a:r>
+              <a:rPr lang="zh-CN" altLang="en-US" sz="2800" spc="-1">
+                <a:solidFill>
+                  <a:srgbClr val="000000"/>
+                </a:solidFill>
+                <a:latin typeface="Times New Roman" panose="02020603050405020304"/>
+                <a:ea typeface="宋体" panose="02010600030101010101" pitchFamily="2" charset="-122"/>
+                <a:sym typeface="+mn-ea"/>
+              </a:rPr>
+              <a:t>、</a:t>
+            </a:r>
+            <a:r>
+              <a:rPr lang="en-US" sz="2800" b="0" strike="noStrike" spc="-1">
+                <a:solidFill>
+                  <a:srgbClr val="000000"/>
+                </a:solidFill>
+                <a:latin typeface="Times New Roman" panose="02020603050405020304"/>
+                <a:ea typeface="DejaVu Sans"/>
+              </a:rPr>
+              <a:t> </a:t>
+            </a:r>
+            <a:r>
+              <a:rPr lang="en-US" sz="2800" spc="-1">
+                <a:solidFill>
+                  <a:srgbClr val="000000"/>
+                </a:solidFill>
+                <a:latin typeface="Times New Roman" panose="02020603050405020304"/>
+                <a:ea typeface="DejaVu Sans"/>
+                <a:sym typeface="+mn-ea"/>
+              </a:rPr>
+              <a:t>LABEL</a:t>
+            </a:r>
+            <a:endParaRPr lang="en-US" sz="2800" b="0" strike="noStrike" spc="-1">
+              <a:solidFill>
+                <a:srgbClr val="000000"/>
+              </a:solidFill>
+              <a:latin typeface="Times New Roman" panose="02020603050405020304"/>
+              <a:ea typeface="DejaVu Sans"/>
+            </a:endParaRPr>
+          </a:p>
+          <a:p>
+            <a:pPr marL="457200" indent="-457200">
+              <a:lnSpc>
+                <a:spcPct val="100000"/>
+              </a:lnSpc>
+              <a:buFont typeface="Arial" panose="020B0604020202020204" pitchFamily="34" charset="0"/>
+              <a:buChar char="•"/>
+            </a:pPr>
+            <a:endParaRPr lang="en-US" sz="2800" b="0" strike="noStrike" spc="-1">
+              <a:latin typeface="Arial" panose="020B0604020202020204"/>
+            </a:endParaRPr>
+          </a:p>
+          <a:p>
+            <a:pPr marL="457200" indent="-457200">
+              <a:lnSpc>
+                <a:spcPct val="100000"/>
+              </a:lnSpc>
+              <a:buFont typeface="Arial" panose="020B0604020202020204" pitchFamily="34" charset="0"/>
+              <a:buChar char="•"/>
+            </a:pPr>
+            <a:r>
+              <a:rPr lang="en-US" sz="2800" b="0" strike="noStrike" spc="-1">
+                <a:solidFill>
+                  <a:srgbClr val="000000"/>
+                </a:solidFill>
+                <a:latin typeface="Times New Roman" panose="02020603050405020304"/>
+                <a:ea typeface="DejaVu Sans"/>
+              </a:rPr>
+              <a:t>RUN、 CMD、 EXPOSE、 ENV</a:t>
+            </a:r>
+            <a:endParaRPr lang="en-US" sz="2800" b="0" strike="noStrike" spc="-1">
+              <a:solidFill>
+                <a:srgbClr val="000000"/>
+              </a:solidFill>
+              <a:latin typeface="Times New Roman" panose="02020603050405020304"/>
+              <a:ea typeface="DejaVu Sans"/>
+            </a:endParaRPr>
+          </a:p>
+          <a:p>
+            <a:pPr marL="457200" indent="-457200">
+              <a:lnSpc>
+                <a:spcPct val="100000"/>
+              </a:lnSpc>
+              <a:buFont typeface="Arial" panose="020B0604020202020204" pitchFamily="34" charset="0"/>
+              <a:buChar char="•"/>
+            </a:pPr>
+            <a:endParaRPr lang="en-US" sz="2800" b="0" strike="noStrike" spc="-1">
+              <a:latin typeface="Arial" panose="020B0604020202020204"/>
+            </a:endParaRPr>
+          </a:p>
+          <a:p>
+            <a:pPr marL="457200" indent="-457200">
+              <a:lnSpc>
+                <a:spcPct val="100000"/>
+              </a:lnSpc>
+              <a:buFont typeface="Arial" panose="020B0604020202020204" pitchFamily="34" charset="0"/>
+              <a:buChar char="•"/>
+            </a:pPr>
+            <a:r>
+              <a:rPr lang="en-US" sz="2800" b="0" strike="noStrike" spc="-1">
+                <a:solidFill>
+                  <a:srgbClr val="000000"/>
+                </a:solidFill>
+                <a:latin typeface="Times New Roman" panose="02020603050405020304"/>
+                <a:ea typeface="DejaVu Sans"/>
+              </a:rPr>
+              <a:t>ADD、 COPY、 ENTRYPOINT</a:t>
+            </a:r>
+            <a:endParaRPr lang="en-US" sz="2800" b="0" strike="noStrike" spc="-1">
+              <a:solidFill>
+                <a:srgbClr val="000000"/>
+              </a:solidFill>
+              <a:latin typeface="Times New Roman" panose="02020603050405020304"/>
+              <a:ea typeface="DejaVu Sans"/>
+            </a:endParaRPr>
+          </a:p>
+          <a:p>
+            <a:pPr marL="457200" indent="-457200">
+              <a:lnSpc>
+                <a:spcPct val="100000"/>
+              </a:lnSpc>
+              <a:buFont typeface="Arial" panose="020B0604020202020204" pitchFamily="34" charset="0"/>
+              <a:buChar char="•"/>
+            </a:pPr>
+            <a:endParaRPr lang="en-US" sz="2800" b="0" strike="noStrike" spc="-1">
+              <a:latin typeface="Arial" panose="020B0604020202020204"/>
+            </a:endParaRPr>
+          </a:p>
+          <a:p>
+            <a:pPr marL="457200" indent="-457200">
+              <a:lnSpc>
+                <a:spcPct val="100000"/>
+              </a:lnSpc>
+              <a:buFont typeface="Arial" panose="020B0604020202020204" pitchFamily="34" charset="0"/>
+              <a:buChar char="•"/>
+            </a:pPr>
+            <a:r>
+              <a:rPr lang="en-US" sz="2800" b="0" strike="noStrike" spc="-1">
+                <a:solidFill>
+                  <a:srgbClr val="000000"/>
+                </a:solidFill>
+                <a:latin typeface="Times New Roman" panose="02020603050405020304"/>
+                <a:ea typeface="DejaVu Sans"/>
+              </a:rPr>
+              <a:t>VOLUME、 USER、 WORKDIR</a:t>
+            </a:r>
+            <a:endParaRPr lang="en-US" sz="2800" b="0" strike="noStrike" spc="-1">
+              <a:solidFill>
+                <a:srgbClr val="000000"/>
+              </a:solidFill>
+              <a:latin typeface="Times New Roman" panose="02020603050405020304"/>
+              <a:ea typeface="DejaVu Sans"/>
+            </a:endParaRPr>
+          </a:p>
+          <a:p>
+            <a:pPr marL="457200" indent="-457200">
+              <a:lnSpc>
+                <a:spcPct val="100000"/>
+              </a:lnSpc>
+              <a:buFont typeface="Arial" panose="020B0604020202020204" pitchFamily="34" charset="0"/>
+              <a:buChar char="•"/>
+            </a:pPr>
+            <a:endParaRPr lang="en-US" sz="2800" b="0" strike="noStrike" spc="-1">
+              <a:latin typeface="Arial" panose="020B0604020202020204"/>
+            </a:endParaRPr>
+          </a:p>
+          <a:p>
+            <a:pPr marL="457200" indent="-457200">
+              <a:lnSpc>
+                <a:spcPct val="100000"/>
+              </a:lnSpc>
+              <a:buFont typeface="Arial" panose="020B0604020202020204" pitchFamily="34" charset="0"/>
+              <a:buChar char="•"/>
+            </a:pPr>
+            <a:r>
+              <a:rPr lang="en-US" sz="2800" b="0" strike="noStrike" spc="-1">
+                <a:solidFill>
+                  <a:srgbClr val="000000"/>
+                </a:solidFill>
+                <a:latin typeface="Times New Roman" panose="02020603050405020304"/>
+                <a:ea typeface="DejaVu Sans"/>
+              </a:rPr>
+              <a:t>ONBUILD、 STOPSIGNAL、 HEALTHCHECK</a:t>
+            </a:r>
+            <a:endParaRPr lang="en-US" sz="2800" b="0" strike="noStrike" spc="-1">
+              <a:solidFill>
+                <a:srgbClr val="000000"/>
+              </a:solidFill>
+              <a:latin typeface="Times New Roman" panose="02020603050405020304"/>
+              <a:ea typeface="DejaVu Sans"/>
+            </a:endParaRPr>
+          </a:p>
+          <a:p>
+            <a:pPr indent="0">
+              <a:lnSpc>
+                <a:spcPct val="100000"/>
+              </a:lnSpc>
+              <a:buFont typeface="Arial" panose="020B0604020202020204" pitchFamily="34" charset="0"/>
+              <a:buNone/>
+            </a:pPr>
+            <a:endParaRPr lang="en-US" sz="2800" b="0" strike="noStrike" spc="-1">
+              <a:latin typeface="Arial" panose="020B0604020202020204"/>
+            </a:endParaRPr>
+          </a:p>
+          <a:p>
+            <a:pPr indent="0">
+              <a:lnSpc>
+                <a:spcPct val="100000"/>
+              </a:lnSpc>
+              <a:buFont typeface="Arial" panose="020B0604020202020204" pitchFamily="34" charset="0"/>
+              <a:buNone/>
+            </a:pPr>
+            <a:r>
+              <a:rPr lang="en-US" sz="2800" b="0" strike="noStrike" spc="-1">
+                <a:latin typeface="Arial" panose="020B0604020202020204"/>
+                <a:hlinkClick r:id="rId2" action="ppaction://hlinkfile"/>
+              </a:rPr>
+              <a:t>Reference Doc</a:t>
+            </a:r>
+            <a:endParaRPr lang="en-US" sz="2800" b="0" strike="noStrike" spc="-1">
+              <a:latin typeface="Arial" panose="020B0604020202020204"/>
+            </a:endParaRPr>
+          </a:p>
+        </p:txBody>
+      </p:sp>
+    </p:spTree>
+  </p:cSld>
+  <p:clrMapOvr>
+    <a:masterClrMapping/>
+  </p:clrMapOvr>
+  <p:transition spd="med">
+    <p:pull/>
+  </p:transition>
+  <p:timing>
+    <p:tnLst>
+      <p:par>
+        <p:cTn id="1" dur="indefinite" restart="never" nodeType="tmRoot"/>
+      </p:par>
+    </p:tnLst>
+  </p:timing>
+</p:sld>
+</file>
+
+<file path=ppt/slides/slide13.xml><?xml version="1.0" encoding="utf-8"?>
 <p:sld xmlns:a="http://schemas.openxmlformats.org/drawingml/2006/main" xmlns:r="http://schemas.openxmlformats.org/officeDocument/2006/relationships" xmlns:p="http://schemas.openxmlformats.org/presentationml/2006/main">
   <p:cSld>
     <p:spTree>
@@ -3379,7 +3620,7 @@
 </p:sld>
 </file>
 
-<file path=ppt/slides/slide13.xml><?xml version="1.0" encoding="utf-8"?>
+<file path=ppt/slides/slide14.xml><?xml version="1.0" encoding="utf-8"?>
 <p:sld xmlns:a="http://schemas.openxmlformats.org/drawingml/2006/main" xmlns:r="http://schemas.openxmlformats.org/officeDocument/2006/relationships" xmlns:p="http://schemas.openxmlformats.org/presentationml/2006/main">
   <p:cSld>
     <p:spTree>
@@ -5459,15 +5700,40 @@
           <a:chExt cx="0" cy="0"/>
         </a:xfrm>
       </p:grpSpPr>
+      <p:pic>
+        <p:nvPicPr>
+          <p:cNvPr id="92" name="图片 1"/>
+          <p:cNvPicPr/>
+          <p:nvPr/>
+        </p:nvPicPr>
+        <p:blipFill>
+          <a:blip r:embed="rId1"/>
+          <a:stretch>
+            <a:fillRect/>
+          </a:stretch>
+        </p:blipFill>
+        <p:spPr>
+          <a:xfrm>
+            <a:off x="10371600" y="146160"/>
+            <a:ext cx="1695240" cy="396720"/>
+          </a:xfrm>
+          <a:prstGeom prst="rect">
+            <a:avLst/>
+          </a:prstGeom>
+          <a:ln>
+            <a:noFill/>
+          </a:ln>
+        </p:spPr>
+      </p:pic>
       <p:sp>
         <p:nvSpPr>
-          <p:cNvPr id="96" name="CustomShape 1"/>
+          <p:cNvPr id="95" name="CustomShape 1"/>
           <p:cNvSpPr/>
           <p:nvPr/>
         </p:nvSpPr>
         <p:spPr>
           <a:xfrm>
-            <a:off x="324000" y="543600"/>
+            <a:off x="336600" y="543600"/>
             <a:ext cx="3594600" cy="638640"/>
           </a:xfrm>
           <a:prstGeom prst="rect">
@@ -5500,216 +5766,121 @@
             </a:pPr>
             <a:r>
               <a:rPr lang="en-US" sz="3600" b="1" strike="noStrike" spc="-1">
-                <a:solidFill>
-                  <a:srgbClr val="000000"/>
-                </a:solidFill>
-                <a:latin typeface="Times New Roman" panose="02020603050405020304"/>
-                <a:ea typeface="DejaVu Sans"/>
-              </a:rPr>
-              <a:t>Base Concepts</a:t>
-            </a:r>
-            <a:endParaRPr lang="en-US" sz="3600" b="0" strike="noStrike" spc="-1">
-              <a:latin typeface="Arial" panose="020B0604020202020204"/>
+                <a:latin typeface="Times New Roman" panose="02020603050405020304" charset="0"/>
+              </a:rPr>
+              <a:t>Application</a:t>
+            </a:r>
+            <a:endParaRPr lang="en-US" sz="3600" b="1" strike="noStrike" spc="-1">
+              <a:latin typeface="Times New Roman" panose="02020603050405020304" charset="0"/>
             </a:endParaRPr>
           </a:p>
         </p:txBody>
       </p:sp>
-      <p:pic>
-        <p:nvPicPr>
-          <p:cNvPr id="97" name="图片 1"/>
-          <p:cNvPicPr/>
-          <p:nvPr/>
-        </p:nvPicPr>
-        <p:blipFill>
-          <a:blip r:embed="rId1"/>
-          <a:stretch>
-            <a:fillRect/>
-          </a:stretch>
-        </p:blipFill>
-        <p:spPr>
-          <a:xfrm>
-            <a:off x="10371600" y="146160"/>
-            <a:ext cx="1695240" cy="396720"/>
-          </a:xfrm>
-          <a:prstGeom prst="rect">
-            <a:avLst/>
-          </a:prstGeom>
-          <a:ln>
-            <a:noFill/>
-          </a:ln>
-        </p:spPr>
-      </p:pic>
       <p:sp>
         <p:nvSpPr>
-          <p:cNvPr id="98" name="CustomShape 2"/>
-          <p:cNvSpPr/>
+          <p:cNvPr id="2" name="文本框 1"/>
+          <p:cNvSpPr txBox="1"/>
           <p:nvPr/>
         </p:nvSpPr>
         <p:spPr>
           <a:xfrm>
-            <a:off x="336600" y="1295280"/>
-            <a:ext cx="11518920" cy="4782600"/>
+            <a:off x="336550" y="1285875"/>
+            <a:ext cx="10734675" cy="3107690"/>
           </a:xfrm>
           <a:prstGeom prst="rect">
             <a:avLst/>
           </a:prstGeom>
           <a:noFill/>
-          <a:ln>
-            <a:noFill/>
-          </a:ln>
-        </p:spPr>
-        <p:style>
-          <a:lnRef idx="0">
-            <a:srgbClr val="FFFFFF"/>
-          </a:lnRef>
-          <a:fillRef idx="0">
-            <a:srgbClr val="FFFFFF"/>
-          </a:fillRef>
-          <a:effectRef idx="0">
-            <a:srgbClr val="FFFFFF"/>
-          </a:effectRef>
-          <a:fontRef idx="minor"/>
-        </p:style>
+        </p:spPr>
         <p:txBody>
-          <a:bodyPr lIns="90000" tIns="45000" rIns="90000" bIns="45000"/>
-          <a:p>
-            <a:pPr marL="457200" indent="-456565">
-              <a:lnSpc>
-                <a:spcPct val="100000"/>
-              </a:lnSpc>
-              <a:buClr>
-                <a:srgbClr val="000000"/>
-              </a:buClr>
-              <a:buFont typeface="Arial" panose="020B0604020202020204"/>
+          <a:bodyPr wrap="square" rtlCol="0">
+            <a:spAutoFit/>
+          </a:bodyPr>
+          <a:p>
+            <a:pPr marL="457200" indent="-457200">
+              <a:buFont typeface="Arial" panose="020B0604020202020204" pitchFamily="34" charset="0"/>
               <a:buChar char="•"/>
             </a:pPr>
             <a:r>
-              <a:rPr lang="en-US" sz="2800" b="1" strike="noStrike" spc="-1">
-                <a:solidFill>
-                  <a:srgbClr val="000000"/>
-                </a:solidFill>
-                <a:latin typeface="Times New Roman" panose="02020603050405020304"/>
-                <a:ea typeface="DejaVu Sans"/>
-              </a:rPr>
-              <a:t>Image: </a:t>
-            </a:r>
-            <a:r>
-              <a:rPr lang="en-US" sz="2800" b="0" strike="noStrike" spc="-1">
-                <a:solidFill>
-                  <a:srgbClr val="000000"/>
-                </a:solidFill>
-                <a:latin typeface="Times New Roman" panose="02020603050405020304"/>
-                <a:ea typeface="DejaVu Sans"/>
-              </a:rPr>
-              <a:t>An image is an executable package that includes everything needed to run an application--the code, a runtime, libraries, environment variables, and configuration files.</a:t>
-            </a:r>
-            <a:endParaRPr lang="en-US" sz="2800" b="0" strike="noStrike" spc="-1">
-              <a:latin typeface="Arial" panose="020B0604020202020204"/>
-            </a:endParaRPr>
-          </a:p>
-          <a:p>
-            <a:pPr marL="457200" indent="-456565">
-              <a:lnSpc>
-                <a:spcPct val="100000"/>
-              </a:lnSpc>
-              <a:buClr>
-                <a:srgbClr val="000000"/>
-              </a:buClr>
-              <a:buFont typeface="Arial" panose="020B0604020202020204"/>
+              <a:rPr lang="zh-CN" altLang="en-US" sz="2800">
+                <a:latin typeface="Times New Roman" panose="02020603050405020304" charset="0"/>
+              </a:rPr>
+              <a:t>Automating the packaging and deployment of applications</a:t>
+            </a:r>
+            <a:endParaRPr lang="zh-CN" altLang="en-US" sz="2800">
+              <a:latin typeface="Times New Roman" panose="02020603050405020304" charset="0"/>
+            </a:endParaRPr>
+          </a:p>
+          <a:p>
+            <a:pPr marL="457200" indent="-457200">
+              <a:buFont typeface="Arial" panose="020B0604020202020204" pitchFamily="34" charset="0"/>
               <a:buChar char="•"/>
             </a:pPr>
-            <a:r>
-              <a:rPr lang="en-US" sz="2800" b="1" strike="noStrike" spc="-1">
-                <a:solidFill>
-                  <a:srgbClr val="000000"/>
-                </a:solidFill>
-                <a:latin typeface="Times New Roman" panose="02020603050405020304"/>
-                <a:ea typeface="DejaVu Sans"/>
-              </a:rPr>
-              <a:t>Container：</a:t>
-            </a:r>
-            <a:r>
-              <a:rPr lang="en-US" sz="2800" b="0" strike="noStrike" spc="-1">
-                <a:solidFill>
-                  <a:srgbClr val="000000"/>
-                </a:solidFill>
-                <a:latin typeface="Times New Roman" panose="02020603050405020304"/>
-                <a:ea typeface="DejaVu Sans"/>
-              </a:rPr>
-              <a:t>A container is a runtime instance of an image. A container is launched by running an image.</a:t>
-            </a:r>
-            <a:endParaRPr lang="en-US" sz="2800" b="0" strike="noStrike" spc="-1">
-              <a:latin typeface="Arial" panose="020B0604020202020204"/>
-            </a:endParaRPr>
-          </a:p>
-          <a:p>
-            <a:pPr marL="457200" indent="-456565">
-              <a:lnSpc>
-                <a:spcPct val="100000"/>
-              </a:lnSpc>
-              <a:buClr>
-                <a:srgbClr val="000000"/>
-              </a:buClr>
-              <a:buFont typeface="Arial" panose="020B0604020202020204"/>
+            <a:endParaRPr lang="zh-CN" altLang="en-US" sz="2800">
+              <a:latin typeface="Times New Roman" panose="02020603050405020304" charset="0"/>
+            </a:endParaRPr>
+          </a:p>
+          <a:p>
+            <a:pPr marL="457200" indent="-457200">
+              <a:buFont typeface="Arial" panose="020B0604020202020204" pitchFamily="34" charset="0"/>
               <a:buChar char="•"/>
             </a:pPr>
             <a:r>
-              <a:rPr lang="en-US" sz="2800" b="1" strike="noStrike" spc="-1">
-                <a:solidFill>
-                  <a:srgbClr val="000000"/>
-                </a:solidFill>
-                <a:latin typeface="Times New Roman" panose="02020603050405020304"/>
-                <a:ea typeface="DejaVu Sans"/>
-              </a:rPr>
-              <a:t>Registry: </a:t>
-            </a:r>
-            <a:r>
-              <a:rPr lang="en-US" sz="2800" b="0" strike="noStrike" spc="-1">
-                <a:solidFill>
-                  <a:srgbClr val="000000"/>
-                </a:solidFill>
-                <a:latin typeface="Times New Roman" panose="02020603050405020304"/>
-                <a:ea typeface="DejaVu Sans"/>
-              </a:rPr>
-              <a:t>A Registry is a hosted service containing repositories of images which responds to the Registry API. The default registry can be accessed using a browser at Docker Hub or using the docker search command.</a:t>
-            </a:r>
-            <a:endParaRPr lang="en-US" sz="2800" b="0" strike="noStrike" spc="-1">
-              <a:latin typeface="Arial" panose="020B0604020202020204"/>
-            </a:endParaRPr>
-          </a:p>
-          <a:p>
-            <a:pPr marL="457200" indent="-456565">
-              <a:lnSpc>
-                <a:spcPct val="100000"/>
-              </a:lnSpc>
-              <a:buClr>
-                <a:srgbClr val="000000"/>
-              </a:buClr>
-              <a:buFont typeface="Arial" panose="020B0604020202020204"/>
+              <a:rPr lang="zh-CN" altLang="en-US" sz="2800">
+                <a:latin typeface="Times New Roman" panose="02020603050405020304" charset="0"/>
+              </a:rPr>
+              <a:t>Creation of lightweight, private PAAS environments</a:t>
+            </a:r>
+            <a:endParaRPr lang="zh-CN" altLang="en-US" sz="2800">
+              <a:latin typeface="Times New Roman" panose="02020603050405020304" charset="0"/>
+            </a:endParaRPr>
+          </a:p>
+          <a:p>
+            <a:pPr marL="457200" indent="-457200">
+              <a:buFont typeface="Arial" panose="020B0604020202020204" pitchFamily="34" charset="0"/>
               <a:buChar char="•"/>
             </a:pPr>
-            <a:r>
-              <a:rPr lang="en-US" sz="2800" b="1" strike="noStrike" spc="-1">
-                <a:solidFill>
-                  <a:srgbClr val="000000"/>
-                </a:solidFill>
-                <a:latin typeface="Times New Roman" panose="02020603050405020304"/>
-                <a:ea typeface="DejaVu Sans"/>
-              </a:rPr>
-              <a:t>Repository: </a:t>
-            </a:r>
-            <a:r>
-              <a:rPr lang="en-US" sz="2800" b="0" strike="noStrike" spc="-1">
-                <a:solidFill>
-                  <a:srgbClr val="000000"/>
-                </a:solidFill>
-                <a:latin typeface="Times New Roman" panose="02020603050405020304"/>
-                <a:ea typeface="DejaVu Sans"/>
-              </a:rPr>
-              <a:t>A repository is a set of Docker images. A repository can be shared by pushing it to a registry server. The different images in the repository can be labeled using tags.</a:t>
-            </a:r>
-            <a:endParaRPr lang="en-US" sz="2800" b="0" strike="noStrike" spc="-1">
-              <a:latin typeface="Arial" panose="020B0604020202020204"/>
+            <a:endParaRPr lang="zh-CN" altLang="en-US" sz="2800">
+              <a:latin typeface="Times New Roman" panose="02020603050405020304" charset="0"/>
+            </a:endParaRPr>
+          </a:p>
+          <a:p>
+            <a:pPr marL="457200" indent="-457200">
+              <a:buFont typeface="Arial" panose="020B0604020202020204" pitchFamily="34" charset="0"/>
+              <a:buChar char="•"/>
+            </a:pPr>
+            <a:r>
+              <a:rPr lang="zh-CN" altLang="en-US" sz="2800">
+                <a:latin typeface="Times New Roman" panose="02020603050405020304" charset="0"/>
+              </a:rPr>
+              <a:t>Automated testing and continuous integration/deployment</a:t>
+            </a:r>
+            <a:endParaRPr lang="zh-CN" altLang="en-US" sz="2800">
+              <a:latin typeface="Times New Roman" panose="02020603050405020304" charset="0"/>
+            </a:endParaRPr>
+          </a:p>
+          <a:p>
+            <a:pPr marL="457200" indent="-457200">
+              <a:buFont typeface="Arial" panose="020B0604020202020204" pitchFamily="34" charset="0"/>
+              <a:buChar char="•"/>
+            </a:pPr>
+            <a:endParaRPr lang="zh-CN" altLang="en-US" sz="2800">
+              <a:latin typeface="Times New Roman" panose="02020603050405020304" charset="0"/>
+            </a:endParaRPr>
+          </a:p>
+          <a:p>
+            <a:pPr marL="457200" indent="-457200">
+              <a:buFont typeface="Arial" panose="020B0604020202020204" pitchFamily="34" charset="0"/>
+              <a:buChar char="•"/>
+            </a:pPr>
+            <a:r>
+              <a:rPr lang="zh-CN" altLang="en-US" sz="2800">
+                <a:latin typeface="Times New Roman" panose="02020603050405020304" charset="0"/>
+              </a:rPr>
+              <a:t>Deploying and scaling web apps, databases and backend services</a:t>
+            </a:r>
+            <a:endParaRPr lang="zh-CN" altLang="en-US" sz="2800">
+              <a:latin typeface="Times New Roman" panose="02020603050405020304" charset="0"/>
             </a:endParaRPr>
           </a:p>
         </p:txBody>
@@ -5751,7 +5922,7 @@
       </p:grpSpPr>
       <p:sp>
         <p:nvSpPr>
-          <p:cNvPr id="89" name="CustomShape 1"/>
+          <p:cNvPr id="96" name="CustomShape 1"/>
           <p:cNvSpPr/>
           <p:nvPr/>
         </p:nvSpPr>
@@ -5794,9 +5965,9 @@
                   <a:srgbClr val="000000"/>
                 </a:solidFill>
                 <a:latin typeface="Times New Roman" panose="02020603050405020304"/>
-                <a:ea typeface="微软雅黑" panose="020B0503020204020204" charset="-122"/>
-              </a:rPr>
-              <a:t>Architecture</a:t>
+                <a:ea typeface="DejaVu Sans"/>
+              </a:rPr>
+              <a:t>Base Concepts</a:t>
             </a:r>
             <a:endParaRPr lang="en-US" sz="3600" b="0" strike="noStrike" spc="-1">
               <a:latin typeface="Arial" panose="020B0604020202020204"/>
@@ -5806,7 +5977,7 @@
       </p:sp>
       <p:pic>
         <p:nvPicPr>
-          <p:cNvPr id="90" name="图片 1"/>
+          <p:cNvPr id="97" name="图片 1"/>
           <p:cNvPicPr/>
           <p:nvPr/>
         </p:nvPicPr>
@@ -5829,31 +6000,181 @@
           </a:ln>
         </p:spPr>
       </p:pic>
-      <p:pic>
-        <p:nvPicPr>
-          <p:cNvPr id="91" name="图片 3"/>
-          <p:cNvPicPr/>
+      <p:sp>
+        <p:nvSpPr>
+          <p:cNvPr id="98" name="CustomShape 2"/>
+          <p:cNvSpPr/>
           <p:nvPr/>
-        </p:nvPicPr>
-        <p:blipFill>
-          <a:blip r:embed="rId2"/>
-          <a:stretch>
-            <a:fillRect/>
-          </a:stretch>
-        </p:blipFill>
-        <p:spPr>
-          <a:xfrm>
-            <a:off x="819000" y="1188720"/>
-            <a:ext cx="10330200" cy="5391000"/>
-          </a:xfrm>
-          <a:prstGeom prst="rect">
-            <a:avLst/>
-          </a:prstGeom>
+        </p:nvSpPr>
+        <p:spPr>
+          <a:xfrm>
+            <a:off x="336600" y="1295280"/>
+            <a:ext cx="11518920" cy="4782600"/>
+          </a:xfrm>
+          <a:prstGeom prst="rect">
+            <a:avLst/>
+          </a:prstGeom>
+          <a:noFill/>
           <a:ln>
             <a:noFill/>
           </a:ln>
         </p:spPr>
-      </p:pic>
+        <p:style>
+          <a:lnRef idx="0">
+            <a:srgbClr val="FFFFFF"/>
+          </a:lnRef>
+          <a:fillRef idx="0">
+            <a:srgbClr val="FFFFFF"/>
+          </a:fillRef>
+          <a:effectRef idx="0">
+            <a:srgbClr val="FFFFFF"/>
+          </a:effectRef>
+          <a:fontRef idx="minor"/>
+        </p:style>
+        <p:txBody>
+          <a:bodyPr lIns="90000" tIns="45000" rIns="90000" bIns="45000"/>
+          <a:p>
+            <a:pPr marL="457200" indent="-456565">
+              <a:lnSpc>
+                <a:spcPct val="100000"/>
+              </a:lnSpc>
+              <a:buClr>
+                <a:srgbClr val="000000"/>
+              </a:buClr>
+              <a:buFont typeface="Arial" panose="020B0604020202020204"/>
+              <a:buChar char="•"/>
+            </a:pPr>
+            <a:r>
+              <a:rPr lang="en-US" sz="2800" b="1" strike="noStrike" spc="-1">
+                <a:solidFill>
+                  <a:srgbClr val="000000"/>
+                </a:solidFill>
+                <a:latin typeface="Times New Roman" panose="02020603050405020304"/>
+                <a:ea typeface="DejaVu Sans"/>
+              </a:rPr>
+              <a:t>Image: </a:t>
+            </a:r>
+            <a:r>
+              <a:rPr lang="en-US" sz="2800" b="0" strike="noStrike" spc="-1">
+                <a:solidFill>
+                  <a:srgbClr val="000000"/>
+                </a:solidFill>
+                <a:latin typeface="Times New Roman" panose="02020603050405020304"/>
+                <a:ea typeface="DejaVu Sans"/>
+              </a:rPr>
+              <a:t>An image is an executable package that includes everything needed to run an application--the code, a runtime, libraries, environment variables, and configuration files.</a:t>
+            </a:r>
+            <a:endParaRPr lang="en-US" sz="2800" b="0" strike="noStrike" spc="-1">
+              <a:latin typeface="Arial" panose="020B0604020202020204"/>
+            </a:endParaRPr>
+          </a:p>
+          <a:p>
+            <a:pPr marL="457200" indent="-456565">
+              <a:lnSpc>
+                <a:spcPct val="100000"/>
+              </a:lnSpc>
+              <a:buClr>
+                <a:srgbClr val="000000"/>
+              </a:buClr>
+              <a:buFont typeface="Arial" panose="020B0604020202020204"/>
+              <a:buChar char="•"/>
+            </a:pPr>
+            <a:r>
+              <a:rPr lang="en-US" sz="2800" b="1" strike="noStrike" spc="-1">
+                <a:solidFill>
+                  <a:srgbClr val="000000"/>
+                </a:solidFill>
+                <a:latin typeface="Times New Roman" panose="02020603050405020304"/>
+                <a:ea typeface="DejaVu Sans"/>
+              </a:rPr>
+              <a:t>Container：</a:t>
+            </a:r>
+            <a:r>
+              <a:rPr lang="en-US" sz="2800" b="0" strike="noStrike" spc="-1">
+                <a:solidFill>
+                  <a:srgbClr val="000000"/>
+                </a:solidFill>
+                <a:latin typeface="Times New Roman" panose="02020603050405020304"/>
+                <a:ea typeface="DejaVu Sans"/>
+              </a:rPr>
+              <a:t>A container is a runtime instance of an image. A container is launched by running an image.</a:t>
+            </a:r>
+            <a:endParaRPr lang="en-US" sz="2800" b="0" strike="noStrike" spc="-1">
+              <a:latin typeface="Arial" panose="020B0604020202020204"/>
+            </a:endParaRPr>
+          </a:p>
+          <a:p>
+            <a:pPr marL="457200" indent="-456565">
+              <a:lnSpc>
+                <a:spcPct val="100000"/>
+              </a:lnSpc>
+              <a:buClr>
+                <a:srgbClr val="000000"/>
+              </a:buClr>
+              <a:buFont typeface="Arial" panose="020B0604020202020204"/>
+              <a:buChar char="•"/>
+            </a:pPr>
+            <a:r>
+              <a:rPr lang="en-US" sz="2800" b="1" strike="noStrike" spc="-1">
+                <a:solidFill>
+                  <a:srgbClr val="000000"/>
+                </a:solidFill>
+                <a:latin typeface="Times New Roman" panose="02020603050405020304"/>
+                <a:ea typeface="DejaVu Sans"/>
+              </a:rPr>
+              <a:t>Registry: </a:t>
+            </a:r>
+            <a:r>
+              <a:rPr lang="en-US" sz="2800" b="0" strike="noStrike" spc="-1">
+                <a:solidFill>
+                  <a:srgbClr val="000000"/>
+                </a:solidFill>
+                <a:latin typeface="Times New Roman" panose="02020603050405020304"/>
+                <a:ea typeface="DejaVu Sans"/>
+              </a:rPr>
+              <a:t>A Registry is a hosted service containing repositories of images which responds to the Registry API. The default registry can be accessed using a browser at Docker Hub or using the docker search command.</a:t>
+            </a:r>
+            <a:endParaRPr lang="en-US" sz="2800" b="0" strike="noStrike" spc="-1">
+              <a:latin typeface="Arial" panose="020B0604020202020204"/>
+            </a:endParaRPr>
+          </a:p>
+          <a:p>
+            <a:pPr marL="457200" indent="-456565">
+              <a:lnSpc>
+                <a:spcPct val="100000"/>
+              </a:lnSpc>
+              <a:buClr>
+                <a:srgbClr val="000000"/>
+              </a:buClr>
+              <a:buFont typeface="Arial" panose="020B0604020202020204"/>
+              <a:buChar char="•"/>
+            </a:pPr>
+            <a:r>
+              <a:rPr lang="en-US" sz="2800" b="1" strike="noStrike" spc="-1">
+                <a:solidFill>
+                  <a:srgbClr val="000000"/>
+                </a:solidFill>
+                <a:latin typeface="Times New Roman" panose="02020603050405020304"/>
+                <a:ea typeface="DejaVu Sans"/>
+              </a:rPr>
+              <a:t>Repository: </a:t>
+            </a:r>
+            <a:r>
+              <a:rPr lang="en-US" sz="2800" b="0" strike="noStrike" spc="-1">
+                <a:solidFill>
+                  <a:srgbClr val="000000"/>
+                </a:solidFill>
+                <a:latin typeface="Times New Roman" panose="02020603050405020304"/>
+                <a:ea typeface="DejaVu Sans"/>
+              </a:rPr>
+              <a:t>A repository is a set of Docker images. A repository can be shared by pushing it to a registry server. The different images in the repository can be labeled using tags.</a:t>
+            </a:r>
+            <a:endParaRPr lang="en-US" sz="2800" b="0" strike="noStrike" spc="-1">
+              <a:latin typeface="Arial" panose="020B0604020202020204"/>
+            </a:endParaRPr>
+          </a:p>
+        </p:txBody>
+      </p:sp>
     </p:spTree>
   </p:cSld>
   <p:clrMapOvr>
@@ -5891,14 +6212,14 @@
       </p:grpSpPr>
       <p:sp>
         <p:nvSpPr>
-          <p:cNvPr id="99" name="CustomShape 1"/>
+          <p:cNvPr id="89" name="CustomShape 1"/>
           <p:cNvSpPr/>
           <p:nvPr/>
         </p:nvSpPr>
         <p:spPr>
           <a:xfrm>
             <a:off x="324000" y="543600"/>
-            <a:ext cx="5067720" cy="638640"/>
+            <a:ext cx="3594600" cy="638640"/>
           </a:xfrm>
           <a:prstGeom prst="rect">
             <a:avLst/>
@@ -5936,7 +6257,7 @@
                 <a:latin typeface="Times New Roman" panose="02020603050405020304"/>
                 <a:ea typeface="微软雅黑" panose="020B0503020204020204" charset="-122"/>
               </a:rPr>
-              <a:t>Common Commands</a:t>
+              <a:t>Architecture</a:t>
             </a:r>
             <a:endParaRPr lang="en-US" sz="3600" b="0" strike="noStrike" spc="-1">
               <a:latin typeface="Arial" panose="020B0604020202020204"/>
@@ -5946,7 +6267,7 @@
       </p:sp>
       <p:pic>
         <p:nvPicPr>
-          <p:cNvPr id="100" name="图片 1"/>
+          <p:cNvPr id="90" name="图片 1"/>
           <p:cNvPicPr/>
           <p:nvPr/>
         </p:nvPicPr>
@@ -5969,752 +6290,31 @@
           </a:ln>
         </p:spPr>
       </p:pic>
-      <p:sp>
-        <p:nvSpPr>
-          <p:cNvPr id="101" name="CustomShape 2"/>
-          <p:cNvSpPr/>
+      <p:pic>
+        <p:nvPicPr>
+          <p:cNvPr id="91" name="图片 3"/>
+          <p:cNvPicPr/>
           <p:nvPr/>
-        </p:nvSpPr>
-        <p:spPr>
-          <a:xfrm>
-            <a:off x="336550" y="1266825"/>
-            <a:ext cx="11471910" cy="4380230"/>
-          </a:xfrm>
-          <a:prstGeom prst="rect">
-            <a:avLst/>
-          </a:prstGeom>
-          <a:noFill/>
+        </p:nvPicPr>
+        <p:blipFill>
+          <a:blip r:embed="rId2"/>
+          <a:stretch>
+            <a:fillRect/>
+          </a:stretch>
+        </p:blipFill>
+        <p:spPr>
+          <a:xfrm>
+            <a:off x="819000" y="1188720"/>
+            <a:ext cx="10330200" cy="5391000"/>
+          </a:xfrm>
+          <a:prstGeom prst="rect">
+            <a:avLst/>
+          </a:prstGeom>
           <a:ln>
             <a:noFill/>
           </a:ln>
         </p:spPr>
-        <p:style>
-          <a:lnRef idx="0">
-            <a:srgbClr val="FFFFFF"/>
-          </a:lnRef>
-          <a:fillRef idx="0">
-            <a:srgbClr val="FFFFFF"/>
-          </a:fillRef>
-          <a:effectRef idx="0">
-            <a:srgbClr val="FFFFFF"/>
-          </a:effectRef>
-          <a:fontRef idx="minor"/>
-        </p:style>
-        <p:txBody>
-          <a:bodyPr lIns="90000" tIns="45000" rIns="90000" bIns="45000"/>
-          <a:p>
-            <a:pPr marL="635" indent="0">
-              <a:lnSpc>
-                <a:spcPct val="100000"/>
-              </a:lnSpc>
-              <a:buClr>
-                <a:srgbClr val="000000"/>
-              </a:buClr>
-              <a:buFont typeface="Arial" panose="020B0604020202020204"/>
-              <a:buNone/>
-            </a:pPr>
-            <a:r>
-              <a:rPr lang="en-US" sz="2800" b="0" strike="noStrike" spc="-1">
-                <a:solidFill>
-                  <a:srgbClr val="000000"/>
-                </a:solidFill>
-                <a:latin typeface="Times New Roman" panose="02020603050405020304"/>
-                <a:ea typeface="DejaVu Sans"/>
-              </a:rPr>
-              <a:t>docker --help</a:t>
-            </a:r>
-            <a:endParaRPr lang="en-US" sz="2800" b="0" strike="noStrike" spc="-1">
-              <a:solidFill>
-                <a:srgbClr val="000000"/>
-              </a:solidFill>
-              <a:latin typeface="Times New Roman" panose="02020603050405020304" charset="0"/>
-              <a:ea typeface="DejaVu Sans"/>
-            </a:endParaRPr>
-          </a:p>
-          <a:p>
-            <a:pPr marL="635" indent="0">
-              <a:lnSpc>
-                <a:spcPct val="100000"/>
-              </a:lnSpc>
-              <a:buClr>
-                <a:srgbClr val="000000"/>
-              </a:buClr>
-              <a:buFont typeface="Arial" panose="020B0604020202020204"/>
-              <a:buNone/>
-            </a:pPr>
-            <a:r>
-              <a:rPr lang="en-US" sz="2800" b="1" strike="noStrike" spc="-1">
-                <a:latin typeface="Times New Roman" panose="02020603050405020304" charset="0"/>
-              </a:rPr>
-              <a:t>Image</a:t>
-            </a:r>
-            <a:r>
-              <a:rPr lang="zh-CN" altLang="en-US" sz="2800" b="1" strike="noStrike" spc="-1">
-                <a:latin typeface="Times New Roman" panose="02020603050405020304" charset="0"/>
-                <a:ea typeface="宋体" panose="02010600030101010101" pitchFamily="2" charset="-122"/>
-              </a:rPr>
-              <a:t>：</a:t>
-            </a:r>
-            <a:endParaRPr lang="zh-CN" altLang="en-US" sz="2800" b="1" strike="noStrike" spc="-1">
-              <a:latin typeface="Times New Roman" panose="02020603050405020304" charset="0"/>
-              <a:ea typeface="宋体" panose="02010600030101010101" pitchFamily="2" charset="-122"/>
-            </a:endParaRPr>
-          </a:p>
-          <a:p>
-            <a:pPr marL="457200" indent="-456565">
-              <a:lnSpc>
-                <a:spcPct val="100000"/>
-              </a:lnSpc>
-              <a:buClr>
-                <a:srgbClr val="000000"/>
-              </a:buClr>
-              <a:buFont typeface="Arial" panose="020B0604020202020204"/>
-              <a:buChar char="•"/>
-            </a:pPr>
-            <a:r>
-              <a:rPr lang="en-US" sz="2800" b="0" strike="noStrike" spc="-1">
-                <a:solidFill>
-                  <a:srgbClr val="000000"/>
-                </a:solidFill>
-                <a:latin typeface="Times New Roman" panose="02020603050405020304"/>
-                <a:ea typeface="DejaVu Sans"/>
-              </a:rPr>
-              <a:t>docker version、 info. </a:t>
-            </a:r>
-            <a:endParaRPr lang="en-US" sz="2800" b="0" strike="noStrike" spc="-1">
-              <a:latin typeface="Arial" panose="020B0604020202020204"/>
-            </a:endParaRPr>
-          </a:p>
-          <a:p>
-            <a:pPr marL="457200" indent="-456565">
-              <a:lnSpc>
-                <a:spcPct val="100000"/>
-              </a:lnSpc>
-              <a:buClr>
-                <a:srgbClr val="000000"/>
-              </a:buClr>
-              <a:buFont typeface="Arial" panose="020B0604020202020204"/>
-              <a:buChar char="•"/>
-            </a:pPr>
-            <a:r>
-              <a:rPr lang="en-US" sz="2800" b="0" strike="noStrike" spc="-1">
-                <a:solidFill>
-                  <a:srgbClr val="000000"/>
-                </a:solidFill>
-                <a:latin typeface="Times New Roman" panose="02020603050405020304"/>
-                <a:ea typeface="DejaVu Sans"/>
-              </a:rPr>
-              <a:t>docker login 、 logout、 </a:t>
-            </a:r>
-            <a:r>
-              <a:rPr lang="en-US" sz="2800" b="1" strike="noStrike" spc="-1">
-                <a:solidFill>
-                  <a:srgbClr val="000000"/>
-                </a:solidFill>
-                <a:latin typeface="Times New Roman" panose="02020603050405020304"/>
-                <a:ea typeface="DejaVu Sans"/>
-              </a:rPr>
-              <a:t>search</a:t>
-            </a:r>
-            <a:r>
-              <a:rPr lang="en-US" sz="2800" b="0" strike="noStrike" spc="-1">
-                <a:solidFill>
-                  <a:srgbClr val="000000"/>
-                </a:solidFill>
-                <a:latin typeface="Times New Roman" panose="02020603050405020304"/>
-                <a:ea typeface="DejaVu Sans"/>
-              </a:rPr>
-              <a:t>、 </a:t>
-            </a:r>
-            <a:r>
-              <a:rPr lang="en-US" sz="2800" b="1" strike="noStrike" spc="-1">
-                <a:solidFill>
-                  <a:srgbClr val="000000"/>
-                </a:solidFill>
-                <a:latin typeface="Times New Roman" panose="02020603050405020304"/>
-                <a:ea typeface="DejaVu Sans"/>
-              </a:rPr>
-              <a:t>pull</a:t>
-            </a:r>
-            <a:r>
-              <a:rPr lang="en-US" sz="2800" b="0" strike="noStrike" spc="-1">
-                <a:solidFill>
-                  <a:srgbClr val="000000"/>
-                </a:solidFill>
-                <a:latin typeface="Times New Roman" panose="02020603050405020304"/>
-                <a:ea typeface="DejaVu Sans"/>
-              </a:rPr>
-              <a:t>、 </a:t>
-            </a:r>
-            <a:r>
-              <a:rPr lang="en-US" sz="2800" b="1" strike="noStrike" spc="-1">
-                <a:solidFill>
-                  <a:srgbClr val="000000"/>
-                </a:solidFill>
-                <a:latin typeface="Times New Roman" panose="02020603050405020304"/>
-                <a:ea typeface="DejaVu Sans"/>
-              </a:rPr>
-              <a:t>push</a:t>
-            </a:r>
-            <a:r>
-              <a:rPr lang="en-US" sz="2800" b="0" strike="noStrike" spc="-1">
-                <a:solidFill>
-                  <a:srgbClr val="000000"/>
-                </a:solidFill>
-                <a:latin typeface="Times New Roman" panose="02020603050405020304"/>
-                <a:ea typeface="DejaVu Sans"/>
-              </a:rPr>
-              <a:t>.</a:t>
-            </a:r>
-            <a:endParaRPr lang="en-US" sz="2800" b="0" strike="noStrike" spc="-1">
-              <a:latin typeface="Arial" panose="020B0604020202020204"/>
-            </a:endParaRPr>
-          </a:p>
-          <a:p>
-            <a:pPr marL="457200" indent="-456565">
-              <a:lnSpc>
-                <a:spcPct val="100000"/>
-              </a:lnSpc>
-              <a:buClr>
-                <a:srgbClr val="000000"/>
-              </a:buClr>
-              <a:buFont typeface="Arial" panose="020B0604020202020204"/>
-              <a:buChar char="•"/>
-            </a:pPr>
-            <a:r>
-              <a:rPr lang="en-US" sz="2800" b="0" strike="noStrike" spc="-1">
-                <a:solidFill>
-                  <a:srgbClr val="000000"/>
-                </a:solidFill>
-                <a:latin typeface="Times New Roman" panose="02020603050405020304"/>
-                <a:ea typeface="DejaVu Sans"/>
-              </a:rPr>
-              <a:t>docker </a:t>
-            </a:r>
-            <a:r>
-              <a:rPr lang="en-US" sz="2800" b="1" strike="noStrike" spc="-1">
-                <a:solidFill>
-                  <a:srgbClr val="FF0000"/>
-                </a:solidFill>
-                <a:latin typeface="Times New Roman" panose="02020603050405020304"/>
-                <a:ea typeface="DejaVu Sans"/>
-              </a:rPr>
-              <a:t>build</a:t>
-            </a:r>
-            <a:r>
-              <a:rPr lang="en-US" sz="2800" b="0" strike="noStrike" spc="-1">
-                <a:solidFill>
-                  <a:srgbClr val="000000"/>
-                </a:solidFill>
-                <a:latin typeface="Times New Roman" panose="02020603050405020304"/>
-                <a:ea typeface="DejaVu Sans"/>
-              </a:rPr>
-              <a:t>、 </a:t>
-            </a:r>
-            <a:r>
-              <a:rPr lang="en-US" sz="2800" strike="noStrike" spc="-1">
-                <a:solidFill>
-                  <a:srgbClr val="000000"/>
-                </a:solidFill>
-                <a:latin typeface="Times New Roman" panose="02020603050405020304"/>
-                <a:ea typeface="DejaVu Sans"/>
-              </a:rPr>
-              <a:t>images</a:t>
-            </a:r>
-            <a:r>
-              <a:rPr lang="en-US" sz="2800" b="0" strike="noStrike" spc="-1">
-                <a:solidFill>
-                  <a:srgbClr val="000000"/>
-                </a:solidFill>
-                <a:latin typeface="Times New Roman" panose="02020603050405020304"/>
-                <a:ea typeface="DejaVu Sans"/>
-              </a:rPr>
-              <a:t>、 </a:t>
-            </a:r>
-            <a:r>
-              <a:rPr lang="en-US" sz="2800" strike="noStrike" spc="-1">
-                <a:solidFill>
-                  <a:srgbClr val="000000"/>
-                </a:solidFill>
-                <a:latin typeface="Times New Roman" panose="02020603050405020304"/>
-                <a:ea typeface="DejaVu Sans"/>
-              </a:rPr>
-              <a:t>rmi</a:t>
-            </a:r>
-            <a:r>
-              <a:rPr lang="en-US" sz="2800" b="0" strike="noStrike" spc="-1">
-                <a:solidFill>
-                  <a:srgbClr val="000000"/>
-                </a:solidFill>
-                <a:latin typeface="Times New Roman" panose="02020603050405020304"/>
-                <a:ea typeface="DejaVu Sans"/>
-              </a:rPr>
-              <a:t>、 </a:t>
-            </a:r>
-            <a:r>
-              <a:rPr lang="en-US" sz="2800" strike="noStrike" spc="-1">
-                <a:solidFill>
-                  <a:srgbClr val="000000"/>
-                </a:solidFill>
-                <a:latin typeface="Times New Roman" panose="02020603050405020304"/>
-                <a:ea typeface="DejaVu Sans"/>
-              </a:rPr>
-              <a:t>tag</a:t>
-            </a:r>
-            <a:r>
-              <a:rPr lang="en-US" sz="2800" b="0" strike="noStrike" spc="-1">
-                <a:solidFill>
-                  <a:srgbClr val="000000"/>
-                </a:solidFill>
-                <a:latin typeface="Times New Roman" panose="02020603050405020304"/>
-                <a:ea typeface="DejaVu Sans"/>
-              </a:rPr>
-              <a:t>、  save、 load</a:t>
-            </a:r>
-            <a:r>
-              <a:rPr lang="en-US" sz="2800" spc="-1">
-                <a:solidFill>
-                  <a:srgbClr val="000000"/>
-                </a:solidFill>
-                <a:latin typeface="Times New Roman" panose="02020603050405020304"/>
-                <a:ea typeface="DejaVu Sans"/>
-                <a:sym typeface="+mn-ea"/>
-              </a:rPr>
-              <a:t>、 import</a:t>
-            </a:r>
-            <a:r>
-              <a:rPr lang="en-US" sz="2800" b="0" strike="noStrike" spc="-1">
-                <a:solidFill>
-                  <a:srgbClr val="000000"/>
-                </a:solidFill>
-                <a:latin typeface="Times New Roman" panose="02020603050405020304"/>
-                <a:ea typeface="DejaVu Sans"/>
-              </a:rPr>
-              <a:t>.</a:t>
-            </a:r>
-            <a:endParaRPr lang="en-US" sz="2800" b="0" strike="noStrike" spc="-1">
-              <a:solidFill>
-                <a:srgbClr val="000000"/>
-              </a:solidFill>
-              <a:latin typeface="Times New Roman" panose="02020603050405020304"/>
-              <a:ea typeface="DejaVu Sans"/>
-            </a:endParaRPr>
-          </a:p>
-          <a:p>
-            <a:pPr marL="635" indent="0">
-              <a:lnSpc>
-                <a:spcPct val="100000"/>
-              </a:lnSpc>
-              <a:buClr>
-                <a:srgbClr val="000000"/>
-              </a:buClr>
-              <a:buFont typeface="Arial" panose="020B0604020202020204"/>
-              <a:buNone/>
-            </a:pPr>
-            <a:r>
-              <a:rPr lang="en-US" sz="2800" b="1" strike="noStrike" spc="-1">
-                <a:solidFill>
-                  <a:srgbClr val="000000"/>
-                </a:solidFill>
-                <a:latin typeface="Times New Roman" panose="02020603050405020304"/>
-                <a:ea typeface="DejaVu Sans"/>
-              </a:rPr>
-              <a:t>Container:</a:t>
-            </a:r>
-            <a:endParaRPr lang="en-US" sz="2800" b="1" strike="noStrike" spc="-1">
-              <a:solidFill>
-                <a:srgbClr val="000000"/>
-              </a:solidFill>
-              <a:latin typeface="Times New Roman" panose="02020603050405020304"/>
-              <a:ea typeface="DejaVu Sans"/>
-            </a:endParaRPr>
-          </a:p>
-          <a:p>
-            <a:pPr marL="457200" indent="-456565">
-              <a:lnSpc>
-                <a:spcPct val="100000"/>
-              </a:lnSpc>
-              <a:buClr>
-                <a:srgbClr val="000000"/>
-              </a:buClr>
-              <a:buFont typeface="Arial" panose="020B0604020202020204"/>
-              <a:buChar char="•"/>
-            </a:pPr>
-            <a:r>
-              <a:rPr lang="en-US" sz="2800" b="0" strike="noStrike" spc="-1">
-                <a:solidFill>
-                  <a:srgbClr val="000000"/>
-                </a:solidFill>
-                <a:latin typeface="Times New Roman" panose="02020603050405020304"/>
-                <a:ea typeface="DejaVu Sans"/>
-              </a:rPr>
-              <a:t>docker commit、 cp、 diff、 rename、 update.</a:t>
-            </a:r>
-            <a:endParaRPr lang="en-US" sz="2800" b="0" strike="noStrike" spc="-1">
-              <a:latin typeface="Arial" panose="020B0604020202020204"/>
-            </a:endParaRPr>
-          </a:p>
-          <a:p>
-            <a:pPr marL="457200" indent="-456565">
-              <a:lnSpc>
-                <a:spcPct val="100000"/>
-              </a:lnSpc>
-              <a:buClr>
-                <a:srgbClr val="000000"/>
-              </a:buClr>
-              <a:buFont typeface="Arial" panose="020B0604020202020204"/>
-              <a:buChar char="•"/>
-            </a:pPr>
-            <a:r>
-              <a:rPr lang="en-US" sz="2800" b="0" strike="noStrike" spc="-1">
-                <a:solidFill>
-                  <a:srgbClr val="000000"/>
-                </a:solidFill>
-                <a:latin typeface="Times New Roman" panose="02020603050405020304"/>
-                <a:ea typeface="DejaVu Sans"/>
-              </a:rPr>
-              <a:t>docker </a:t>
-            </a:r>
-            <a:r>
-              <a:rPr lang="en-US" sz="2800" b="1" u="sng" strike="noStrike" spc="-1">
-                <a:solidFill>
-                  <a:srgbClr val="00B050"/>
-                </a:solidFill>
-                <a:latin typeface="Times New Roman" panose="02020603050405020304"/>
-                <a:ea typeface="DejaVu Sans"/>
-              </a:rPr>
-              <a:t>create</a:t>
-            </a:r>
-            <a:r>
-              <a:rPr lang="en-US" sz="2800" b="0" strike="noStrike" spc="-1">
-                <a:solidFill>
-                  <a:srgbClr val="000000"/>
-                </a:solidFill>
-                <a:latin typeface="Times New Roman" panose="02020603050405020304"/>
-                <a:ea typeface="DejaVu Sans"/>
-              </a:rPr>
-              <a:t>、 </a:t>
-            </a:r>
-            <a:r>
-              <a:rPr lang="en-US" sz="2800" b="1" strike="noStrike" spc="-1">
-                <a:solidFill>
-                  <a:srgbClr val="000000"/>
-                </a:solidFill>
-                <a:latin typeface="Times New Roman" panose="02020603050405020304"/>
-                <a:ea typeface="DejaVu Sans"/>
-              </a:rPr>
-              <a:t>start、 </a:t>
-            </a:r>
-            <a:r>
-              <a:rPr lang="en-US" sz="2800" b="1" u="sng" strike="noStrike" spc="-1">
-                <a:solidFill>
-                  <a:srgbClr val="0070C0"/>
-                </a:solidFill>
-                <a:latin typeface="Times New Roman" panose="02020603050405020304"/>
-                <a:ea typeface="DejaVu Sans"/>
-              </a:rPr>
-              <a:t>stop</a:t>
-            </a:r>
-            <a:r>
-              <a:rPr lang="en-US" sz="2800" b="1" strike="noStrike" spc="-1">
-                <a:solidFill>
-                  <a:srgbClr val="000000"/>
-                </a:solidFill>
-                <a:latin typeface="Times New Roman" panose="02020603050405020304"/>
-                <a:ea typeface="DejaVu Sans"/>
-              </a:rPr>
-              <a:t>、 restart</a:t>
-            </a:r>
-            <a:r>
-              <a:rPr lang="en-US" sz="2800" b="0" strike="noStrike" spc="-1">
-                <a:solidFill>
-                  <a:srgbClr val="000000"/>
-                </a:solidFill>
-                <a:latin typeface="Times New Roman" panose="02020603050405020304"/>
-                <a:ea typeface="DejaVu Sans"/>
-              </a:rPr>
-              <a:t>、 </a:t>
-            </a:r>
-            <a:r>
-              <a:rPr lang="en-US" sz="2800" b="1" u="sng" strike="noStrike" spc="-1">
-                <a:solidFill>
-                  <a:srgbClr val="00B050"/>
-                </a:solidFill>
-                <a:latin typeface="Times New Roman" panose="02020603050405020304"/>
-                <a:ea typeface="DejaVu Sans"/>
-              </a:rPr>
-              <a:t>run</a:t>
-            </a:r>
-            <a:r>
-              <a:rPr lang="en-US" sz="2800" b="0" strike="noStrike" spc="-1">
-                <a:solidFill>
-                  <a:srgbClr val="000000"/>
-                </a:solidFill>
-                <a:latin typeface="Times New Roman" panose="02020603050405020304"/>
-                <a:ea typeface="DejaVu Sans"/>
-              </a:rPr>
-              <a:t>、 </a:t>
-            </a:r>
-            <a:r>
-              <a:rPr lang="en-US" sz="2800" b="1" u="sng" strike="noStrike" spc="-1">
-                <a:solidFill>
-                  <a:srgbClr val="0070C0"/>
-                </a:solidFill>
-                <a:latin typeface="Times New Roman" panose="02020603050405020304"/>
-                <a:ea typeface="DejaVu Sans"/>
-              </a:rPr>
-              <a:t>kill</a:t>
-            </a:r>
-            <a:r>
-              <a:rPr lang="en-US" sz="2800" b="0" strike="noStrike" spc="-1">
-                <a:solidFill>
-                  <a:srgbClr val="000000"/>
-                </a:solidFill>
-                <a:latin typeface="Times New Roman" panose="02020603050405020304"/>
-                <a:ea typeface="DejaVu Sans"/>
-              </a:rPr>
-              <a:t>、 </a:t>
-            </a:r>
-            <a:r>
-              <a:rPr lang="en-US" sz="2800" b="1" strike="noStrike" spc="-1">
-                <a:solidFill>
-                  <a:srgbClr val="000000"/>
-                </a:solidFill>
-                <a:latin typeface="Times New Roman" panose="02020603050405020304"/>
-                <a:ea typeface="DejaVu Sans"/>
-              </a:rPr>
-              <a:t>rm</a:t>
-            </a:r>
-            <a:r>
-              <a:rPr lang="en-US" sz="2800" spc="-1">
-                <a:solidFill>
-                  <a:srgbClr val="000000"/>
-                </a:solidFill>
-                <a:latin typeface="Times New Roman" panose="02020603050405020304"/>
-                <a:ea typeface="DejaVu Sans"/>
-                <a:sym typeface="+mn-ea"/>
-              </a:rPr>
-              <a:t>、 </a:t>
-            </a:r>
-            <a:r>
-              <a:rPr lang="en-US" sz="2800" b="1" spc="-1">
-                <a:solidFill>
-                  <a:srgbClr val="FF0000"/>
-                </a:solidFill>
-                <a:latin typeface="Times New Roman" panose="02020603050405020304"/>
-                <a:ea typeface="DejaVu Sans"/>
-                <a:sym typeface="+mn-ea"/>
-              </a:rPr>
-              <a:t>exec</a:t>
-            </a:r>
-            <a:r>
-              <a:rPr lang="en-US" sz="2800" b="0" strike="noStrike" spc="-1">
-                <a:solidFill>
-                  <a:srgbClr val="000000"/>
-                </a:solidFill>
-                <a:latin typeface="Times New Roman" panose="02020603050405020304"/>
-                <a:ea typeface="DejaVu Sans"/>
-              </a:rPr>
-              <a:t>、 pause、 unpause.</a:t>
-            </a:r>
-            <a:endParaRPr lang="en-US" sz="2800" b="0" strike="noStrike" spc="-1">
-              <a:latin typeface="Arial" panose="020B0604020202020204"/>
-            </a:endParaRPr>
-          </a:p>
-          <a:p>
-            <a:pPr marL="457200" indent="-456565">
-              <a:lnSpc>
-                <a:spcPct val="100000"/>
-              </a:lnSpc>
-              <a:buClr>
-                <a:srgbClr val="000000"/>
-              </a:buClr>
-              <a:buFont typeface="Arial" panose="020B0604020202020204"/>
-              <a:buChar char="•"/>
-            </a:pPr>
-            <a:r>
-              <a:rPr lang="en-US" sz="2800" b="0" strike="noStrike" spc="-1">
-                <a:solidFill>
-                  <a:srgbClr val="000000"/>
-                </a:solidFill>
-                <a:latin typeface="Times New Roman" panose="02020603050405020304"/>
-                <a:ea typeface="DejaVu Sans"/>
-              </a:rPr>
-              <a:t>docker </a:t>
-            </a:r>
-            <a:r>
-              <a:rPr lang="en-US" sz="2800" strike="noStrike" spc="-1">
-                <a:solidFill>
-                  <a:srgbClr val="000000"/>
-                </a:solidFill>
-                <a:latin typeface="Times New Roman" panose="02020603050405020304"/>
-                <a:ea typeface="DejaVu Sans"/>
-              </a:rPr>
-              <a:t>ps [-a]</a:t>
-            </a:r>
-            <a:r>
-              <a:rPr lang="en-US" sz="2800" b="0" strike="noStrike" spc="-1">
-                <a:solidFill>
-                  <a:srgbClr val="000000"/>
-                </a:solidFill>
-                <a:latin typeface="Times New Roman" panose="02020603050405020304"/>
-                <a:ea typeface="DejaVu Sans"/>
-              </a:rPr>
-              <a:t>、 </a:t>
-            </a:r>
-            <a:r>
-              <a:rPr lang="en-US" sz="2800" b="1" strike="noStrike" spc="-1">
-                <a:solidFill>
-                  <a:srgbClr val="FF0000"/>
-                </a:solidFill>
-                <a:latin typeface="Times New Roman" panose="02020603050405020304"/>
-                <a:ea typeface="DejaVu Sans"/>
-              </a:rPr>
-              <a:t>inspect</a:t>
-            </a:r>
-            <a:r>
-              <a:rPr lang="en-US" sz="2800" b="0" strike="noStrike" spc="-1">
-                <a:solidFill>
-                  <a:srgbClr val="000000"/>
-                </a:solidFill>
-                <a:latin typeface="Times New Roman" panose="02020603050405020304"/>
-                <a:ea typeface="DejaVu Sans"/>
-              </a:rPr>
-              <a:t>、 top、 </a:t>
-            </a:r>
-            <a:r>
-              <a:rPr lang="en-US" sz="2800" b="1" strike="noStrike" spc="-1">
-                <a:solidFill>
-                  <a:srgbClr val="FF0000"/>
-                </a:solidFill>
-                <a:latin typeface="Times New Roman" panose="02020603050405020304"/>
-                <a:ea typeface="DejaVu Sans"/>
-              </a:rPr>
-              <a:t>attach</a:t>
-            </a:r>
-            <a:r>
-              <a:rPr lang="en-US" sz="2800" b="0" strike="noStrike" spc="-1">
-                <a:solidFill>
-                  <a:srgbClr val="000000"/>
-                </a:solidFill>
-                <a:latin typeface="Times New Roman" panose="02020603050405020304"/>
-                <a:ea typeface="DejaVu Sans"/>
-              </a:rPr>
-              <a:t>、 wait、 export、 port.</a:t>
-            </a:r>
-            <a:endParaRPr lang="en-US" sz="2800" b="0" strike="noStrike" spc="-1">
-              <a:solidFill>
-                <a:srgbClr val="000000"/>
-              </a:solidFill>
-              <a:latin typeface="Times New Roman" panose="02020603050405020304"/>
-              <a:ea typeface="DejaVu Sans"/>
-            </a:endParaRPr>
-          </a:p>
-          <a:p>
-            <a:pPr marL="635" indent="0">
-              <a:lnSpc>
-                <a:spcPct val="100000"/>
-              </a:lnSpc>
-              <a:buClr>
-                <a:srgbClr val="000000"/>
-              </a:buClr>
-              <a:buFont typeface="Arial" panose="020B0604020202020204"/>
-              <a:buNone/>
-            </a:pPr>
-            <a:r>
-              <a:rPr lang="en-US" sz="2800" b="1" strike="noStrike" spc="-1">
-                <a:latin typeface="Times New Roman" panose="02020603050405020304" charset="0"/>
-              </a:rPr>
-              <a:t>Other</a:t>
-            </a:r>
-            <a:r>
-              <a:rPr lang="zh-CN" altLang="en-US" sz="2800" b="1" strike="noStrike" spc="-1">
-                <a:latin typeface="Times New Roman" panose="02020603050405020304" charset="0"/>
-                <a:ea typeface="宋体" panose="02010600030101010101" pitchFamily="2" charset="-122"/>
-              </a:rPr>
-              <a:t>：</a:t>
-            </a:r>
-            <a:endParaRPr lang="zh-CN" altLang="en-US" sz="2800" b="1" strike="noStrike" spc="-1">
-              <a:latin typeface="Times New Roman" panose="02020603050405020304" charset="0"/>
-              <a:ea typeface="宋体" panose="02010600030101010101" pitchFamily="2" charset="-122"/>
-            </a:endParaRPr>
-          </a:p>
-          <a:p>
-            <a:pPr marL="457200" indent="-456565">
-              <a:lnSpc>
-                <a:spcPct val="100000"/>
-              </a:lnSpc>
-              <a:buClr>
-                <a:srgbClr val="000000"/>
-              </a:buClr>
-              <a:buFont typeface="Arial" panose="020B0604020202020204"/>
-              <a:buChar char="•"/>
-            </a:pPr>
-            <a:r>
-              <a:rPr lang="en-US" sz="2800" b="0" strike="noStrike" spc="-1">
-                <a:solidFill>
-                  <a:srgbClr val="000000"/>
-                </a:solidFill>
-                <a:latin typeface="Times New Roman" panose="02020603050405020304"/>
-                <a:ea typeface="DejaVu Sans"/>
-              </a:rPr>
-              <a:t>docker volume、 network.</a:t>
-            </a:r>
-            <a:endParaRPr lang="zh-CN" altLang="en-US" sz="2800" b="0" strike="noStrike" spc="-1">
-              <a:solidFill>
-                <a:srgbClr val="000000"/>
-              </a:solidFill>
-              <a:latin typeface="Times New Roman" panose="02020603050405020304"/>
-              <a:ea typeface="宋体" panose="02010600030101010101" pitchFamily="2" charset="-122"/>
-            </a:endParaRPr>
-          </a:p>
-          <a:p>
-            <a:pPr marL="457200" indent="-456565">
-              <a:lnSpc>
-                <a:spcPct val="100000"/>
-              </a:lnSpc>
-              <a:buClr>
-                <a:srgbClr val="000000"/>
-              </a:buClr>
-              <a:buFont typeface="Arial" panose="020B0604020202020204"/>
-              <a:buChar char="•"/>
-            </a:pPr>
-            <a:r>
-              <a:rPr lang="en-US" sz="2800" b="0" strike="noStrike" spc="-1">
-                <a:solidFill>
-                  <a:srgbClr val="000000"/>
-                </a:solidFill>
-                <a:latin typeface="Times New Roman" panose="02020603050405020304"/>
-                <a:ea typeface="DejaVu Sans"/>
-              </a:rPr>
-              <a:t>docker events、 history、 </a:t>
-            </a:r>
-            <a:r>
-              <a:rPr lang="en-US" sz="2800" b="1" strike="noStrike" spc="-1">
-                <a:solidFill>
-                  <a:srgbClr val="000000"/>
-                </a:solidFill>
-                <a:latin typeface="Times New Roman" panose="02020603050405020304"/>
-                <a:ea typeface="DejaVu Sans"/>
-              </a:rPr>
-              <a:t>logs</a:t>
-            </a:r>
-            <a:r>
-              <a:rPr lang="en-US" sz="2800" b="0" strike="noStrike" spc="-1">
-                <a:solidFill>
-                  <a:srgbClr val="000000"/>
-                </a:solidFill>
-                <a:latin typeface="Times New Roman" panose="02020603050405020304"/>
-                <a:ea typeface="DejaVu Sans"/>
-              </a:rPr>
-              <a:t>.</a:t>
-            </a:r>
-            <a:endParaRPr lang="en-US" sz="2800" b="0" strike="noStrike" spc="-1">
-              <a:latin typeface="Arial" panose="020B0604020202020204"/>
-            </a:endParaRPr>
-          </a:p>
-        </p:txBody>
-      </p:sp>
+      </p:pic>
     </p:spTree>
   </p:cSld>
   <p:clrMapOvr>
@@ -6752,7 +6352,7 @@
       </p:grpSpPr>
       <p:sp>
         <p:nvSpPr>
-          <p:cNvPr id="102" name="CustomShape 1"/>
+          <p:cNvPr id="99" name="CustomShape 1"/>
           <p:cNvSpPr/>
           <p:nvPr/>
         </p:nvSpPr>
@@ -6797,7 +6397,7 @@
                 <a:latin typeface="Times New Roman" panose="02020603050405020304"/>
                 <a:ea typeface="微软雅黑" panose="020B0503020204020204" charset="-122"/>
               </a:rPr>
-              <a:t>Dockerfile</a:t>
+              <a:t>Common Commands</a:t>
             </a:r>
             <a:endParaRPr lang="en-US" sz="3600" b="0" strike="noStrike" spc="-1">
               <a:latin typeface="Arial" panose="020B0604020202020204"/>
@@ -6807,7 +6407,7 @@
       </p:sp>
       <p:pic>
         <p:nvPicPr>
-          <p:cNvPr id="103" name="图片 1"/>
+          <p:cNvPr id="100" name="图片 1"/>
           <p:cNvPicPr/>
           <p:nvPr/>
         </p:nvPicPr>
@@ -6832,14 +6432,14 @@
       </p:pic>
       <p:sp>
         <p:nvSpPr>
-          <p:cNvPr id="104" name="CustomShape 2"/>
+          <p:cNvPr id="101" name="CustomShape 2"/>
           <p:cNvSpPr/>
           <p:nvPr/>
         </p:nvSpPr>
         <p:spPr>
           <a:xfrm>
-            <a:off x="324000" y="1247775"/>
-            <a:ext cx="11518920" cy="4782600"/>
+            <a:off x="336550" y="1266825"/>
+            <a:ext cx="11471910" cy="4380230"/>
           </a:xfrm>
           <a:prstGeom prst="rect">
             <a:avLst/>
@@ -6864,10 +6464,15 @@
         <p:txBody>
           <a:bodyPr lIns="90000" tIns="45000" rIns="90000" bIns="45000"/>
           <a:p>
-            <a:pPr>
+            <a:pPr marL="635" indent="0">
               <a:lnSpc>
                 <a:spcPct val="100000"/>
               </a:lnSpc>
+              <a:buClr>
+                <a:srgbClr val="000000"/>
+              </a:buClr>
+              <a:buFont typeface="Arial" panose="020B0604020202020204"/>
+              <a:buNone/>
             </a:pPr>
             <a:r>
               <a:rPr lang="en-US" sz="2800" b="0" strike="noStrike" spc="-1">
@@ -6877,67 +6482,55 @@
                 <a:latin typeface="Times New Roman" panose="02020603050405020304"/>
                 <a:ea typeface="DejaVu Sans"/>
               </a:rPr>
-              <a:t> </a:t>
-            </a:r>
-            <a:r>
-              <a:rPr lang="en-US" sz="2800" b="1" strike="noStrike" spc="-1">
-                <a:solidFill>
-                  <a:srgbClr val="000000"/>
-                </a:solidFill>
-                <a:latin typeface="Times New Roman" panose="02020603050405020304"/>
-                <a:ea typeface="DejaVu Sans"/>
-              </a:rPr>
-              <a:t>   </a:t>
-            </a:r>
-            <a:r>
-              <a:rPr lang="en-US" sz="2800" b="0" strike="noStrike" spc="-1">
-                <a:solidFill>
-                  <a:srgbClr val="000000"/>
-                </a:solidFill>
-                <a:latin typeface="Times New Roman" panose="02020603050405020304"/>
-                <a:ea typeface="DejaVu Sans"/>
-              </a:rPr>
-              <a:t> Docker can build images automatically by reading the instructions from a Dockerfile. A Dockerfile is a text document that contains all the commands a user could call on the command line to assemble an image. Using docker build users can create an automated build that executes several command-line instructions in succession.</a:t>
+              <a:t>docker --help</a:t>
             </a:r>
             <a:endParaRPr lang="en-US" sz="2800" b="0" strike="noStrike" spc="-1">
-              <a:latin typeface="Arial" panose="020B0604020202020204"/>
-            </a:endParaRPr>
-          </a:p>
-          <a:p>
-            <a:pPr>
+              <a:solidFill>
+                <a:srgbClr val="000000"/>
+              </a:solidFill>
+              <a:latin typeface="Times New Roman" panose="02020603050405020304" charset="0"/>
+              <a:ea typeface="DejaVu Sans"/>
+            </a:endParaRPr>
+          </a:p>
+          <a:p>
+            <a:pPr marL="635" indent="0">
               <a:lnSpc>
                 <a:spcPct val="100000"/>
               </a:lnSpc>
+              <a:buClr>
+                <a:srgbClr val="000000"/>
+              </a:buClr>
+              <a:buFont typeface="Arial" panose="020B0604020202020204"/>
+              <a:buNone/>
             </a:pPr>
             <a:r>
               <a:rPr lang="en-US" sz="2800" b="1" strike="noStrike" spc="-1">
-                <a:solidFill>
-                  <a:srgbClr val="000000"/>
-                </a:solidFill>
-                <a:latin typeface="Times New Roman" panose="02020603050405020304"/>
-                <a:ea typeface="DejaVu Sans"/>
-              </a:rPr>
-              <a:t>   </a:t>
-            </a:r>
-            <a:r>
-              <a:rPr lang="en-US" sz="2800" b="0" strike="noStrike" spc="-1">
-                <a:solidFill>
-                  <a:srgbClr val="000000"/>
-                </a:solidFill>
-                <a:latin typeface="Times New Roman" panose="02020603050405020304"/>
-                <a:ea typeface="DejaVu Sans"/>
-              </a:rPr>
-              <a:t> The docker build command builds an image from a Dockerfile and a context. The build’s context is the set of files at a specified location PATH or URL. The PATH is a directory on your local filesystem. The URL is a Git repository location.</a:t>
-            </a:r>
-            <a:endParaRPr lang="en-US" sz="2800" b="0" strike="noStrike" spc="-1">
-              <a:latin typeface="Arial" panose="020B0604020202020204"/>
-            </a:endParaRPr>
-          </a:p>
-          <a:p>
-            <a:pPr>
+                <a:latin typeface="Times New Roman" panose="02020603050405020304" charset="0"/>
+              </a:rPr>
+              <a:t>Image</a:t>
+            </a:r>
+            <a:r>
+              <a:rPr lang="zh-CN" altLang="en-US" sz="2800" b="1" strike="noStrike" spc="-1">
+                <a:latin typeface="Times New Roman" panose="02020603050405020304" charset="0"/>
+                <a:ea typeface="宋体" panose="02010600030101010101" pitchFamily="2" charset="-122"/>
+              </a:rPr>
+              <a:t>：</a:t>
+            </a:r>
+            <a:endParaRPr lang="zh-CN" altLang="en-US" sz="2800" b="1" strike="noStrike" spc="-1">
+              <a:latin typeface="Times New Roman" panose="02020603050405020304" charset="0"/>
+              <a:ea typeface="宋体" panose="02010600030101010101" pitchFamily="2" charset="-122"/>
+            </a:endParaRPr>
+          </a:p>
+          <a:p>
+            <a:pPr marL="457200" indent="-456565">
               <a:lnSpc>
                 <a:spcPct val="100000"/>
               </a:lnSpc>
+              <a:buClr>
+                <a:srgbClr val="000000"/>
+              </a:buClr>
+              <a:buFont typeface="Arial" panose="020B0604020202020204"/>
+              <a:buChar char="•"/>
             </a:pPr>
             <a:r>
               <a:rPr lang="en-US" sz="2800" b="0" strike="noStrike" spc="-1">
@@ -6947,7 +6540,635 @@
                 <a:latin typeface="Times New Roman" panose="02020603050405020304"/>
                 <a:ea typeface="DejaVu Sans"/>
               </a:rPr>
-              <a:t>    A context is processed recursively. So, a PATH includes any subdirectories and the URL includes the repository and its submodules. </a:t>
+              <a:t>docker version、 info. </a:t>
+            </a:r>
+            <a:endParaRPr lang="en-US" sz="2800" b="0" strike="noStrike" spc="-1">
+              <a:latin typeface="Arial" panose="020B0604020202020204"/>
+            </a:endParaRPr>
+          </a:p>
+          <a:p>
+            <a:pPr marL="457200" indent="-456565">
+              <a:lnSpc>
+                <a:spcPct val="100000"/>
+              </a:lnSpc>
+              <a:buClr>
+                <a:srgbClr val="000000"/>
+              </a:buClr>
+              <a:buFont typeface="Arial" panose="020B0604020202020204"/>
+              <a:buChar char="•"/>
+            </a:pPr>
+            <a:r>
+              <a:rPr lang="en-US" sz="2800" b="0" strike="noStrike" spc="-1">
+                <a:solidFill>
+                  <a:srgbClr val="000000"/>
+                </a:solidFill>
+                <a:latin typeface="Times New Roman" panose="02020603050405020304"/>
+                <a:ea typeface="DejaVu Sans"/>
+              </a:rPr>
+              <a:t>docker login 、 logout、 </a:t>
+            </a:r>
+            <a:r>
+              <a:rPr lang="en-US" sz="2800" b="1" strike="noStrike" spc="-1">
+                <a:solidFill>
+                  <a:srgbClr val="000000"/>
+                </a:solidFill>
+                <a:latin typeface="Times New Roman" panose="02020603050405020304"/>
+                <a:ea typeface="DejaVu Sans"/>
+              </a:rPr>
+              <a:t>search</a:t>
+            </a:r>
+            <a:r>
+              <a:rPr lang="en-US" sz="2800" b="0" strike="noStrike" spc="-1">
+                <a:solidFill>
+                  <a:srgbClr val="000000"/>
+                </a:solidFill>
+                <a:latin typeface="Times New Roman" panose="02020603050405020304"/>
+                <a:ea typeface="DejaVu Sans"/>
+              </a:rPr>
+              <a:t>、 </a:t>
+            </a:r>
+            <a:r>
+              <a:rPr lang="en-US" sz="2800" b="1" strike="noStrike" spc="-1">
+                <a:solidFill>
+                  <a:srgbClr val="000000"/>
+                </a:solidFill>
+                <a:latin typeface="Times New Roman" panose="02020603050405020304"/>
+                <a:ea typeface="DejaVu Sans"/>
+              </a:rPr>
+              <a:t>pull</a:t>
+            </a:r>
+            <a:r>
+              <a:rPr lang="en-US" sz="2800" b="0" strike="noStrike" spc="-1">
+                <a:solidFill>
+                  <a:srgbClr val="000000"/>
+                </a:solidFill>
+                <a:latin typeface="Times New Roman" panose="02020603050405020304"/>
+                <a:ea typeface="DejaVu Sans"/>
+              </a:rPr>
+              <a:t>、 </a:t>
+            </a:r>
+            <a:r>
+              <a:rPr lang="en-US" sz="2800" b="1" strike="noStrike" spc="-1">
+                <a:solidFill>
+                  <a:srgbClr val="000000"/>
+                </a:solidFill>
+                <a:latin typeface="Times New Roman" panose="02020603050405020304"/>
+                <a:ea typeface="DejaVu Sans"/>
+              </a:rPr>
+              <a:t>push</a:t>
+            </a:r>
+            <a:r>
+              <a:rPr lang="en-US" sz="2800" b="0" strike="noStrike" spc="-1">
+                <a:solidFill>
+                  <a:srgbClr val="000000"/>
+                </a:solidFill>
+                <a:latin typeface="Times New Roman" panose="02020603050405020304"/>
+                <a:ea typeface="DejaVu Sans"/>
+              </a:rPr>
+              <a:t>.</a:t>
+            </a:r>
+            <a:endParaRPr lang="en-US" sz="2800" b="0" strike="noStrike" spc="-1">
+              <a:latin typeface="Arial" panose="020B0604020202020204"/>
+            </a:endParaRPr>
+          </a:p>
+          <a:p>
+            <a:pPr marL="457200" indent="-456565">
+              <a:lnSpc>
+                <a:spcPct val="100000"/>
+              </a:lnSpc>
+              <a:buClr>
+                <a:srgbClr val="000000"/>
+              </a:buClr>
+              <a:buFont typeface="Arial" panose="020B0604020202020204"/>
+              <a:buChar char="•"/>
+            </a:pPr>
+            <a:r>
+              <a:rPr lang="en-US" sz="2800" b="0" strike="noStrike" spc="-1">
+                <a:solidFill>
+                  <a:srgbClr val="000000"/>
+                </a:solidFill>
+                <a:latin typeface="Times New Roman" panose="02020603050405020304"/>
+                <a:ea typeface="DejaVu Sans"/>
+              </a:rPr>
+              <a:t>docker </a:t>
+            </a:r>
+            <a:r>
+              <a:rPr lang="en-US" sz="2800" b="1" strike="noStrike" spc="-1">
+                <a:solidFill>
+                  <a:srgbClr val="FF0000"/>
+                </a:solidFill>
+                <a:latin typeface="Times New Roman" panose="02020603050405020304"/>
+                <a:ea typeface="DejaVu Sans"/>
+              </a:rPr>
+              <a:t>build</a:t>
+            </a:r>
+            <a:r>
+              <a:rPr lang="en-US" sz="2800" b="0" strike="noStrike" spc="-1">
+                <a:solidFill>
+                  <a:srgbClr val="000000"/>
+                </a:solidFill>
+                <a:latin typeface="Times New Roman" panose="02020603050405020304"/>
+                <a:ea typeface="DejaVu Sans"/>
+              </a:rPr>
+              <a:t>、 </a:t>
+            </a:r>
+            <a:r>
+              <a:rPr lang="en-US" sz="2800" b="1" strike="noStrike" spc="-1">
+                <a:solidFill>
+                  <a:srgbClr val="000000"/>
+                </a:solidFill>
+                <a:latin typeface="Times New Roman" panose="02020603050405020304"/>
+                <a:ea typeface="DejaVu Sans"/>
+              </a:rPr>
+              <a:t>images</a:t>
+            </a:r>
+            <a:r>
+              <a:rPr lang="en-US" sz="2800" b="0" strike="noStrike" spc="-1">
+                <a:solidFill>
+                  <a:srgbClr val="000000"/>
+                </a:solidFill>
+                <a:latin typeface="Times New Roman" panose="02020603050405020304"/>
+                <a:ea typeface="DejaVu Sans"/>
+              </a:rPr>
+              <a:t>、 </a:t>
+            </a:r>
+            <a:r>
+              <a:rPr lang="en-US" sz="2800" b="1" strike="noStrike" spc="-1">
+                <a:solidFill>
+                  <a:srgbClr val="000000"/>
+                </a:solidFill>
+                <a:latin typeface="Times New Roman" panose="02020603050405020304"/>
+                <a:ea typeface="DejaVu Sans"/>
+              </a:rPr>
+              <a:t>rmi</a:t>
+            </a:r>
+            <a:r>
+              <a:rPr lang="en-US" sz="2800" b="0" strike="noStrike" spc="-1">
+                <a:solidFill>
+                  <a:srgbClr val="000000"/>
+                </a:solidFill>
+                <a:latin typeface="Times New Roman" panose="02020603050405020304"/>
+                <a:ea typeface="DejaVu Sans"/>
+              </a:rPr>
+              <a:t>、 </a:t>
+            </a:r>
+            <a:r>
+              <a:rPr lang="en-US" sz="2800" b="1" strike="noStrike" spc="-1">
+                <a:solidFill>
+                  <a:srgbClr val="000000"/>
+                </a:solidFill>
+                <a:latin typeface="Times New Roman" panose="02020603050405020304"/>
+                <a:ea typeface="DejaVu Sans"/>
+              </a:rPr>
+              <a:t>tag</a:t>
+            </a:r>
+            <a:r>
+              <a:rPr lang="en-US" sz="2800" b="0" strike="noStrike" spc="-1">
+                <a:solidFill>
+                  <a:srgbClr val="000000"/>
+                </a:solidFill>
+                <a:latin typeface="Times New Roman" panose="02020603050405020304"/>
+                <a:ea typeface="DejaVu Sans"/>
+              </a:rPr>
+              <a:t>、  save、 load</a:t>
+            </a:r>
+            <a:r>
+              <a:rPr lang="en-US" sz="2800" spc="-1">
+                <a:solidFill>
+                  <a:srgbClr val="000000"/>
+                </a:solidFill>
+                <a:latin typeface="Times New Roman" panose="02020603050405020304"/>
+                <a:ea typeface="DejaVu Sans"/>
+                <a:sym typeface="+mn-ea"/>
+              </a:rPr>
+              <a:t>、 import</a:t>
+            </a:r>
+            <a:r>
+              <a:rPr lang="en-US" sz="2800" b="0" strike="noStrike" spc="-1">
+                <a:solidFill>
+                  <a:srgbClr val="000000"/>
+                </a:solidFill>
+                <a:latin typeface="Times New Roman" panose="02020603050405020304"/>
+                <a:ea typeface="DejaVu Sans"/>
+              </a:rPr>
+              <a:t>.</a:t>
+            </a:r>
+            <a:endParaRPr lang="en-US" sz="2800" b="0" strike="noStrike" spc="-1">
+              <a:solidFill>
+                <a:srgbClr val="000000"/>
+              </a:solidFill>
+              <a:latin typeface="Times New Roman" panose="02020603050405020304"/>
+              <a:ea typeface="DejaVu Sans"/>
+            </a:endParaRPr>
+          </a:p>
+          <a:p>
+            <a:pPr marL="635" indent="0">
+              <a:lnSpc>
+                <a:spcPct val="100000"/>
+              </a:lnSpc>
+              <a:buClr>
+                <a:srgbClr val="000000"/>
+              </a:buClr>
+              <a:buFont typeface="Arial" panose="020B0604020202020204"/>
+              <a:buNone/>
+            </a:pPr>
+            <a:r>
+              <a:rPr lang="en-US" sz="2800" b="1" strike="noStrike" spc="-1">
+                <a:solidFill>
+                  <a:srgbClr val="000000"/>
+                </a:solidFill>
+                <a:latin typeface="Times New Roman" panose="02020603050405020304"/>
+                <a:ea typeface="DejaVu Sans"/>
+              </a:rPr>
+              <a:t>Container:</a:t>
+            </a:r>
+            <a:endParaRPr lang="en-US" sz="2800" b="1" strike="noStrike" spc="-1">
+              <a:solidFill>
+                <a:srgbClr val="000000"/>
+              </a:solidFill>
+              <a:latin typeface="Times New Roman" panose="02020603050405020304"/>
+              <a:ea typeface="DejaVu Sans"/>
+            </a:endParaRPr>
+          </a:p>
+          <a:p>
+            <a:pPr marL="457200" indent="-456565">
+              <a:lnSpc>
+                <a:spcPct val="100000"/>
+              </a:lnSpc>
+              <a:buClr>
+                <a:srgbClr val="000000"/>
+              </a:buClr>
+              <a:buFont typeface="Arial" panose="020B0604020202020204"/>
+              <a:buChar char="•"/>
+            </a:pPr>
+            <a:r>
+              <a:rPr lang="en-US" sz="2800" b="0" strike="noStrike" spc="-1">
+                <a:solidFill>
+                  <a:srgbClr val="000000"/>
+                </a:solidFill>
+                <a:latin typeface="Times New Roman" panose="02020603050405020304"/>
+                <a:ea typeface="DejaVu Sans"/>
+              </a:rPr>
+              <a:t>docker commit、 cp、 diff、 rename、 update.</a:t>
+            </a:r>
+            <a:endParaRPr lang="en-US" sz="2800" b="0" strike="noStrike" spc="-1">
+              <a:latin typeface="Arial" panose="020B0604020202020204"/>
+            </a:endParaRPr>
+          </a:p>
+          <a:p>
+            <a:pPr marL="457200" indent="-456565">
+              <a:lnSpc>
+                <a:spcPct val="100000"/>
+              </a:lnSpc>
+              <a:buClr>
+                <a:srgbClr val="000000"/>
+              </a:buClr>
+              <a:buFont typeface="Arial" panose="020B0604020202020204"/>
+              <a:buChar char="•"/>
+            </a:pPr>
+            <a:r>
+              <a:rPr lang="en-US" sz="2800" b="0" strike="noStrike" spc="-1">
+                <a:solidFill>
+                  <a:srgbClr val="000000"/>
+                </a:solidFill>
+                <a:latin typeface="Times New Roman" panose="02020603050405020304"/>
+                <a:ea typeface="DejaVu Sans"/>
+              </a:rPr>
+              <a:t>docker </a:t>
+            </a:r>
+            <a:r>
+              <a:rPr lang="en-US" sz="2800" b="1" u="sng" strike="noStrike" spc="-1">
+                <a:solidFill>
+                  <a:srgbClr val="00B050"/>
+                </a:solidFill>
+                <a:latin typeface="Times New Roman" panose="02020603050405020304"/>
+                <a:ea typeface="DejaVu Sans"/>
+              </a:rPr>
+              <a:t>create</a:t>
+            </a:r>
+            <a:r>
+              <a:rPr lang="en-US" sz="2800" b="0" strike="noStrike" spc="-1">
+                <a:solidFill>
+                  <a:srgbClr val="000000"/>
+                </a:solidFill>
+                <a:latin typeface="Times New Roman" panose="02020603050405020304"/>
+                <a:ea typeface="DejaVu Sans"/>
+              </a:rPr>
+              <a:t>、 </a:t>
+            </a:r>
+            <a:r>
+              <a:rPr lang="en-US" sz="2800" b="1" strike="noStrike" spc="-1">
+                <a:solidFill>
+                  <a:srgbClr val="000000"/>
+                </a:solidFill>
+                <a:latin typeface="Times New Roman" panose="02020603050405020304"/>
+                <a:ea typeface="DejaVu Sans"/>
+              </a:rPr>
+              <a:t>start、 </a:t>
+            </a:r>
+            <a:r>
+              <a:rPr lang="en-US" sz="2800" b="1" u="sng" strike="noStrike" spc="-1">
+                <a:solidFill>
+                  <a:srgbClr val="0070C0"/>
+                </a:solidFill>
+                <a:latin typeface="Times New Roman" panose="02020603050405020304"/>
+                <a:ea typeface="DejaVu Sans"/>
+              </a:rPr>
+              <a:t>stop</a:t>
+            </a:r>
+            <a:r>
+              <a:rPr lang="en-US" sz="2800" b="1" strike="noStrike" spc="-1">
+                <a:solidFill>
+                  <a:srgbClr val="000000"/>
+                </a:solidFill>
+                <a:latin typeface="Times New Roman" panose="02020603050405020304"/>
+                <a:ea typeface="DejaVu Sans"/>
+              </a:rPr>
+              <a:t>、 restart</a:t>
+            </a:r>
+            <a:r>
+              <a:rPr lang="en-US" sz="2800" b="0" strike="noStrike" spc="-1">
+                <a:solidFill>
+                  <a:srgbClr val="000000"/>
+                </a:solidFill>
+                <a:latin typeface="Times New Roman" panose="02020603050405020304"/>
+                <a:ea typeface="DejaVu Sans"/>
+              </a:rPr>
+              <a:t>、 </a:t>
+            </a:r>
+            <a:r>
+              <a:rPr lang="en-US" sz="2800" b="1" u="sng" strike="noStrike" spc="-1">
+                <a:solidFill>
+                  <a:srgbClr val="00B050"/>
+                </a:solidFill>
+                <a:latin typeface="Times New Roman" panose="02020603050405020304"/>
+                <a:ea typeface="DejaVu Sans"/>
+              </a:rPr>
+              <a:t>run</a:t>
+            </a:r>
+            <a:r>
+              <a:rPr lang="en-US" sz="2800" b="0" strike="noStrike" spc="-1">
+                <a:solidFill>
+                  <a:srgbClr val="000000"/>
+                </a:solidFill>
+                <a:latin typeface="Times New Roman" panose="02020603050405020304"/>
+                <a:ea typeface="DejaVu Sans"/>
+              </a:rPr>
+              <a:t>、 </a:t>
+            </a:r>
+            <a:r>
+              <a:rPr lang="en-US" sz="2800" b="1" u="sng" strike="noStrike" spc="-1">
+                <a:solidFill>
+                  <a:srgbClr val="0070C0"/>
+                </a:solidFill>
+                <a:latin typeface="Times New Roman" panose="02020603050405020304"/>
+                <a:ea typeface="DejaVu Sans"/>
+              </a:rPr>
+              <a:t>kill</a:t>
+            </a:r>
+            <a:r>
+              <a:rPr lang="en-US" sz="2800" b="0" strike="noStrike" spc="-1">
+                <a:solidFill>
+                  <a:srgbClr val="000000"/>
+                </a:solidFill>
+                <a:latin typeface="Times New Roman" panose="02020603050405020304"/>
+                <a:ea typeface="DejaVu Sans"/>
+              </a:rPr>
+              <a:t>、 </a:t>
+            </a:r>
+            <a:r>
+              <a:rPr lang="en-US" sz="2800" b="1" strike="noStrike" spc="-1">
+                <a:solidFill>
+                  <a:srgbClr val="000000"/>
+                </a:solidFill>
+                <a:latin typeface="Times New Roman" panose="02020603050405020304"/>
+                <a:ea typeface="DejaVu Sans"/>
+              </a:rPr>
+              <a:t>rm</a:t>
+            </a:r>
+            <a:r>
+              <a:rPr lang="en-US" sz="2800" spc="-1">
+                <a:solidFill>
+                  <a:srgbClr val="000000"/>
+                </a:solidFill>
+                <a:latin typeface="Times New Roman" panose="02020603050405020304"/>
+                <a:ea typeface="DejaVu Sans"/>
+                <a:sym typeface="+mn-ea"/>
+              </a:rPr>
+              <a:t>、 </a:t>
+            </a:r>
+            <a:r>
+              <a:rPr lang="en-US" sz="2800" b="1" spc="-1">
+                <a:solidFill>
+                  <a:srgbClr val="FF0000"/>
+                </a:solidFill>
+                <a:latin typeface="Times New Roman" panose="02020603050405020304"/>
+                <a:ea typeface="DejaVu Sans"/>
+                <a:sym typeface="+mn-ea"/>
+              </a:rPr>
+              <a:t>exec</a:t>
+            </a:r>
+            <a:r>
+              <a:rPr lang="en-US" sz="2800" b="0" strike="noStrike" spc="-1">
+                <a:solidFill>
+                  <a:srgbClr val="000000"/>
+                </a:solidFill>
+                <a:latin typeface="Times New Roman" panose="02020603050405020304"/>
+                <a:ea typeface="DejaVu Sans"/>
+              </a:rPr>
+              <a:t>、 pause、 unpause.</a:t>
+            </a:r>
+            <a:endParaRPr lang="en-US" sz="2800" b="0" strike="noStrike" spc="-1">
+              <a:latin typeface="Arial" panose="020B0604020202020204"/>
+            </a:endParaRPr>
+          </a:p>
+          <a:p>
+            <a:pPr marL="457200" indent="-456565">
+              <a:lnSpc>
+                <a:spcPct val="100000"/>
+              </a:lnSpc>
+              <a:buClr>
+                <a:srgbClr val="000000"/>
+              </a:buClr>
+              <a:buFont typeface="Arial" panose="020B0604020202020204"/>
+              <a:buChar char="•"/>
+            </a:pPr>
+            <a:r>
+              <a:rPr lang="en-US" sz="2800" b="0" strike="noStrike" spc="-1">
+                <a:solidFill>
+                  <a:srgbClr val="000000"/>
+                </a:solidFill>
+                <a:latin typeface="Times New Roman" panose="02020603050405020304"/>
+                <a:ea typeface="DejaVu Sans"/>
+              </a:rPr>
+              <a:t>docker </a:t>
+            </a:r>
+            <a:r>
+              <a:rPr lang="en-US" sz="2800" b="1" strike="noStrike" spc="-1">
+                <a:solidFill>
+                  <a:srgbClr val="000000"/>
+                </a:solidFill>
+                <a:latin typeface="Times New Roman" panose="02020603050405020304"/>
+                <a:ea typeface="DejaVu Sans"/>
+              </a:rPr>
+              <a:t>ps [-a]</a:t>
+            </a:r>
+            <a:r>
+              <a:rPr lang="en-US" sz="2800" b="0" strike="noStrike" spc="-1">
+                <a:solidFill>
+                  <a:srgbClr val="000000"/>
+                </a:solidFill>
+                <a:latin typeface="Times New Roman" panose="02020603050405020304"/>
+                <a:ea typeface="DejaVu Sans"/>
+              </a:rPr>
+              <a:t>、 </a:t>
+            </a:r>
+            <a:r>
+              <a:rPr lang="en-US" sz="2800" b="1" strike="noStrike" spc="-1">
+                <a:solidFill>
+                  <a:srgbClr val="FF0000"/>
+                </a:solidFill>
+                <a:latin typeface="Times New Roman" panose="02020603050405020304"/>
+                <a:ea typeface="DejaVu Sans"/>
+              </a:rPr>
+              <a:t>inspect</a:t>
+            </a:r>
+            <a:r>
+              <a:rPr lang="en-US" sz="2800" b="0" strike="noStrike" spc="-1">
+                <a:solidFill>
+                  <a:srgbClr val="000000"/>
+                </a:solidFill>
+                <a:latin typeface="Times New Roman" panose="02020603050405020304"/>
+                <a:ea typeface="DejaVu Sans"/>
+              </a:rPr>
+              <a:t>、 top、 </a:t>
+            </a:r>
+            <a:r>
+              <a:rPr lang="en-US" sz="2800" b="1" strike="noStrike" spc="-1">
+                <a:solidFill>
+                  <a:srgbClr val="FF0000"/>
+                </a:solidFill>
+                <a:latin typeface="Times New Roman" panose="02020603050405020304"/>
+                <a:ea typeface="DejaVu Sans"/>
+              </a:rPr>
+              <a:t>attach</a:t>
+            </a:r>
+            <a:r>
+              <a:rPr lang="en-US" sz="2800" b="0" strike="noStrike" spc="-1">
+                <a:solidFill>
+                  <a:srgbClr val="000000"/>
+                </a:solidFill>
+                <a:latin typeface="Times New Roman" panose="02020603050405020304"/>
+                <a:ea typeface="DejaVu Sans"/>
+              </a:rPr>
+              <a:t>、 wait、 export、 port.</a:t>
+            </a:r>
+            <a:endParaRPr lang="en-US" sz="2800" b="0" strike="noStrike" spc="-1">
+              <a:solidFill>
+                <a:srgbClr val="000000"/>
+              </a:solidFill>
+              <a:latin typeface="Times New Roman" panose="02020603050405020304"/>
+              <a:ea typeface="DejaVu Sans"/>
+            </a:endParaRPr>
+          </a:p>
+          <a:p>
+            <a:pPr marL="635" indent="0">
+              <a:lnSpc>
+                <a:spcPct val="100000"/>
+              </a:lnSpc>
+              <a:buClr>
+                <a:srgbClr val="000000"/>
+              </a:buClr>
+              <a:buFont typeface="Arial" panose="020B0604020202020204"/>
+              <a:buNone/>
+            </a:pPr>
+            <a:r>
+              <a:rPr lang="en-US" sz="2800" b="1" strike="noStrike" spc="-1">
+                <a:latin typeface="Times New Roman" panose="02020603050405020304" charset="0"/>
+              </a:rPr>
+              <a:t>Other</a:t>
+            </a:r>
+            <a:r>
+              <a:rPr lang="zh-CN" altLang="en-US" sz="2800" b="1" strike="noStrike" spc="-1">
+                <a:latin typeface="Times New Roman" panose="02020603050405020304" charset="0"/>
+                <a:ea typeface="宋体" panose="02010600030101010101" pitchFamily="2" charset="-122"/>
+              </a:rPr>
+              <a:t>：</a:t>
+            </a:r>
+            <a:endParaRPr lang="zh-CN" altLang="en-US" sz="2800" b="1" strike="noStrike" spc="-1">
+              <a:latin typeface="Times New Roman" panose="02020603050405020304" charset="0"/>
+              <a:ea typeface="宋体" panose="02010600030101010101" pitchFamily="2" charset="-122"/>
+            </a:endParaRPr>
+          </a:p>
+          <a:p>
+            <a:pPr marL="457200" indent="-456565">
+              <a:lnSpc>
+                <a:spcPct val="100000"/>
+              </a:lnSpc>
+              <a:buClr>
+                <a:srgbClr val="000000"/>
+              </a:buClr>
+              <a:buFont typeface="Arial" panose="020B0604020202020204"/>
+              <a:buChar char="•"/>
+            </a:pPr>
+            <a:r>
+              <a:rPr lang="en-US" sz="2800" b="0" strike="noStrike" spc="-1">
+                <a:solidFill>
+                  <a:srgbClr val="000000"/>
+                </a:solidFill>
+                <a:latin typeface="Times New Roman" panose="02020603050405020304"/>
+                <a:ea typeface="DejaVu Sans"/>
+              </a:rPr>
+              <a:t>docker volume、 network.</a:t>
+            </a:r>
+            <a:endParaRPr lang="zh-CN" altLang="en-US" sz="2800" b="0" strike="noStrike" spc="-1">
+              <a:solidFill>
+                <a:srgbClr val="000000"/>
+              </a:solidFill>
+              <a:latin typeface="Times New Roman" panose="02020603050405020304"/>
+              <a:ea typeface="宋体" panose="02010600030101010101" pitchFamily="2" charset="-122"/>
+            </a:endParaRPr>
+          </a:p>
+          <a:p>
+            <a:pPr marL="457200" indent="-456565">
+              <a:lnSpc>
+                <a:spcPct val="100000"/>
+              </a:lnSpc>
+              <a:buClr>
+                <a:srgbClr val="000000"/>
+              </a:buClr>
+              <a:buFont typeface="Arial" panose="020B0604020202020204"/>
+              <a:buChar char="•"/>
+            </a:pPr>
+            <a:r>
+              <a:rPr lang="en-US" sz="2800" b="0" strike="noStrike" spc="-1">
+                <a:solidFill>
+                  <a:srgbClr val="000000"/>
+                </a:solidFill>
+                <a:latin typeface="Times New Roman" panose="02020603050405020304"/>
+                <a:ea typeface="DejaVu Sans"/>
+              </a:rPr>
+              <a:t>docker events、 history、 </a:t>
+            </a:r>
+            <a:r>
+              <a:rPr lang="en-US" sz="2800" b="1" strike="noStrike" spc="-1">
+                <a:solidFill>
+                  <a:srgbClr val="000000"/>
+                </a:solidFill>
+                <a:latin typeface="Times New Roman" panose="02020603050405020304"/>
+                <a:ea typeface="DejaVu Sans"/>
+              </a:rPr>
+              <a:t>logs</a:t>
+            </a:r>
+            <a:r>
+              <a:rPr lang="en-US" sz="2800" b="0" strike="noStrike" spc="-1">
+                <a:solidFill>
+                  <a:srgbClr val="000000"/>
+                </a:solidFill>
+                <a:latin typeface="Times New Roman" panose="02020603050405020304"/>
+                <a:ea typeface="DejaVu Sans"/>
+              </a:rPr>
+              <a:t>.</a:t>
             </a:r>
             <a:endParaRPr lang="en-US" sz="2800" b="0" strike="noStrike" spc="-1">
               <a:latin typeface="Arial" panose="020B0604020202020204"/>
